--- a/Posters/Using Feedback and Vaccination Data to More Accurately Model and Predict the SARS-CoV-2 Pandemic.pptx
+++ b/Posters/Using Feedback and Vaccination Data to More Accurately Model and Predict the SARS-CoV-2 Pandemic.pptx
@@ -2,18 +2,18 @@
 <file path=ppt/presentation.xml><?xml version="1.0" encoding="utf-8"?>
 <p:presentation xmlns:a="http://schemas.openxmlformats.org/drawingml/2006/main" xmlns:r="http://schemas.openxmlformats.org/officeDocument/2006/relationships" xmlns:p="http://schemas.openxmlformats.org/presentationml/2006/main" saveSubsetFonts="1">
   <p:sldMasterIdLst>
-    <p:sldMasterId id="2147483648" r:id="rId1"/>
+    <p:sldMasterId id="2147483660" r:id="rId1"/>
   </p:sldMasterIdLst>
   <p:sldIdLst>
     <p:sldId id="256" r:id="rId2"/>
   </p:sldIdLst>
-  <p:sldSz cx="12192000" cy="6858000"/>
+  <p:sldSz cx="43891200" cy="32918400"/>
   <p:notesSz cx="6858000" cy="9144000"/>
   <p:defaultTextStyle>
     <a:defPPr>
       <a:defRPr lang="en-US"/>
     </a:defPPr>
-    <a:lvl1pPr marL="0" algn="l" defTabSz="914400" rtl="0" eaLnBrk="1" latinLnBrk="0" hangingPunct="1">
+    <a:lvl1pPr marL="0" algn="l" defTabSz="457200" rtl="0" eaLnBrk="1" latinLnBrk="0" hangingPunct="1">
       <a:defRPr sz="1800" kern="1200">
         <a:solidFill>
           <a:schemeClr val="tx1"/>
@@ -23,7 +23,7 @@
         <a:cs typeface="+mn-cs"/>
       </a:defRPr>
     </a:lvl1pPr>
-    <a:lvl2pPr marL="457200" algn="l" defTabSz="914400" rtl="0" eaLnBrk="1" latinLnBrk="0" hangingPunct="1">
+    <a:lvl2pPr marL="457200" algn="l" defTabSz="457200" rtl="0" eaLnBrk="1" latinLnBrk="0" hangingPunct="1">
       <a:defRPr sz="1800" kern="1200">
         <a:solidFill>
           <a:schemeClr val="tx1"/>
@@ -33,7 +33,7 @@
         <a:cs typeface="+mn-cs"/>
       </a:defRPr>
     </a:lvl2pPr>
-    <a:lvl3pPr marL="914400" algn="l" defTabSz="914400" rtl="0" eaLnBrk="1" latinLnBrk="0" hangingPunct="1">
+    <a:lvl3pPr marL="914400" algn="l" defTabSz="457200" rtl="0" eaLnBrk="1" latinLnBrk="0" hangingPunct="1">
       <a:defRPr sz="1800" kern="1200">
         <a:solidFill>
           <a:schemeClr val="tx1"/>
@@ -43,7 +43,7 @@
         <a:cs typeface="+mn-cs"/>
       </a:defRPr>
     </a:lvl3pPr>
-    <a:lvl4pPr marL="1371600" algn="l" defTabSz="914400" rtl="0" eaLnBrk="1" latinLnBrk="0" hangingPunct="1">
+    <a:lvl4pPr marL="1371600" algn="l" defTabSz="457200" rtl="0" eaLnBrk="1" latinLnBrk="0" hangingPunct="1">
       <a:defRPr sz="1800" kern="1200">
         <a:solidFill>
           <a:schemeClr val="tx1"/>
@@ -53,7 +53,7 @@
         <a:cs typeface="+mn-cs"/>
       </a:defRPr>
     </a:lvl4pPr>
-    <a:lvl5pPr marL="1828800" algn="l" defTabSz="914400" rtl="0" eaLnBrk="1" latinLnBrk="0" hangingPunct="1">
+    <a:lvl5pPr marL="1828800" algn="l" defTabSz="457200" rtl="0" eaLnBrk="1" latinLnBrk="0" hangingPunct="1">
       <a:defRPr sz="1800" kern="1200">
         <a:solidFill>
           <a:schemeClr val="tx1"/>
@@ -63,7 +63,7 @@
         <a:cs typeface="+mn-cs"/>
       </a:defRPr>
     </a:lvl5pPr>
-    <a:lvl6pPr marL="2286000" algn="l" defTabSz="914400" rtl="0" eaLnBrk="1" latinLnBrk="0" hangingPunct="1">
+    <a:lvl6pPr marL="2286000" algn="l" defTabSz="457200" rtl="0" eaLnBrk="1" latinLnBrk="0" hangingPunct="1">
       <a:defRPr sz="1800" kern="1200">
         <a:solidFill>
           <a:schemeClr val="tx1"/>
@@ -73,7 +73,7 @@
         <a:cs typeface="+mn-cs"/>
       </a:defRPr>
     </a:lvl6pPr>
-    <a:lvl7pPr marL="2743200" algn="l" defTabSz="914400" rtl="0" eaLnBrk="1" latinLnBrk="0" hangingPunct="1">
+    <a:lvl7pPr marL="2743200" algn="l" defTabSz="457200" rtl="0" eaLnBrk="1" latinLnBrk="0" hangingPunct="1">
       <a:defRPr sz="1800" kern="1200">
         <a:solidFill>
           <a:schemeClr val="tx1"/>
@@ -83,7 +83,7 @@
         <a:cs typeface="+mn-cs"/>
       </a:defRPr>
     </a:lvl7pPr>
-    <a:lvl8pPr marL="3200400" algn="l" defTabSz="914400" rtl="0" eaLnBrk="1" latinLnBrk="0" hangingPunct="1">
+    <a:lvl8pPr marL="3200400" algn="l" defTabSz="457200" rtl="0" eaLnBrk="1" latinLnBrk="0" hangingPunct="1">
       <a:defRPr sz="1800" kern="1200">
         <a:solidFill>
           <a:schemeClr val="tx1"/>
@@ -93,7 +93,7 @@
         <a:cs typeface="+mn-cs"/>
       </a:defRPr>
     </a:lvl8pPr>
-    <a:lvl9pPr marL="3657600" algn="l" defTabSz="914400" rtl="0" eaLnBrk="1" latinLnBrk="0" hangingPunct="1">
+    <a:lvl9pPr marL="3657600" algn="l" defTabSz="457200" rtl="0" eaLnBrk="1" latinLnBrk="0" hangingPunct="1">
       <a:defRPr sz="1800" kern="1200">
         <a:solidFill>
           <a:schemeClr val="tx1"/>
@@ -131,13 +131,7 @@
       </p:grpSpPr>
       <p:sp>
         <p:nvSpPr>
-          <p:cNvPr id="2" name="Title 1">
-            <a:extLst>
-              <a:ext uri="{FF2B5EF4-FFF2-40B4-BE49-F238E27FC236}">
-                <a16:creationId xmlns:a16="http://schemas.microsoft.com/office/drawing/2014/main" id="{362C8107-1B31-4DF2-A9C6-5251B391AEB5}"/>
-              </a:ext>
-            </a:extLst>
-          </p:cNvPr>
+          <p:cNvPr id="2" name="Title 1"/>
           <p:cNvSpPr>
             <a:spLocks noGrp="1"/>
           </p:cNvSpPr>
@@ -147,15 +141,15 @@
         </p:nvSpPr>
         <p:spPr>
           <a:xfrm>
-            <a:off x="1524000" y="1122363"/>
-            <a:ext cx="9144000" cy="2387600"/>
+            <a:off x="3291840" y="5387342"/>
+            <a:ext cx="37307520" cy="11460480"/>
           </a:xfrm>
         </p:spPr>
         <p:txBody>
           <a:bodyPr anchor="b"/>
           <a:lstStyle>
             <a:lvl1pPr algn="ctr">
-              <a:defRPr sz="6000"/>
+              <a:defRPr sz="28800"/>
             </a:lvl1pPr>
           </a:lstStyle>
           <a:p>
@@ -163,18 +157,13 @@
               <a:rPr lang="en-US"/>
               <a:t>Click to edit Master title style</a:t>
             </a:r>
-          </a:p>
-        </p:txBody>
-      </p:sp>
-      <p:sp>
-        <p:nvSpPr>
-          <p:cNvPr id="3" name="Subtitle 2">
-            <a:extLst>
-              <a:ext uri="{FF2B5EF4-FFF2-40B4-BE49-F238E27FC236}">
-                <a16:creationId xmlns:a16="http://schemas.microsoft.com/office/drawing/2014/main" id="{3AC7A277-422E-4386-802C-418E68716B36}"/>
-              </a:ext>
-            </a:extLst>
-          </p:cNvPr>
+            <a:endParaRPr lang="en-US" dirty="0"/>
+          </a:p>
+        </p:txBody>
+      </p:sp>
+      <p:sp>
+        <p:nvSpPr>
+          <p:cNvPr id="3" name="Subtitle 2"/>
           <p:cNvSpPr>
             <a:spLocks noGrp="1"/>
           </p:cNvSpPr>
@@ -184,8 +173,8 @@
         </p:nvSpPr>
         <p:spPr>
           <a:xfrm>
-            <a:off x="1524000" y="3602038"/>
-            <a:ext cx="9144000" cy="1655762"/>
+            <a:off x="5486400" y="17289782"/>
+            <a:ext cx="32918400" cy="7947658"/>
           </a:xfrm>
         </p:spPr>
         <p:txBody>
@@ -193,39 +182,39 @@
           <a:lstStyle>
             <a:lvl1pPr marL="0" indent="0" algn="ctr">
               <a:buNone/>
-              <a:defRPr sz="2400"/>
+              <a:defRPr sz="11520"/>
             </a:lvl1pPr>
-            <a:lvl2pPr marL="457200" indent="0" algn="ctr">
-              <a:buNone/>
-              <a:defRPr sz="2000"/>
+            <a:lvl2pPr marL="2194560" indent="0" algn="ctr">
+              <a:buNone/>
+              <a:defRPr sz="9600"/>
             </a:lvl2pPr>
-            <a:lvl3pPr marL="914400" indent="0" algn="ctr">
-              <a:buNone/>
-              <a:defRPr sz="1800"/>
+            <a:lvl3pPr marL="4389120" indent="0" algn="ctr">
+              <a:buNone/>
+              <a:defRPr sz="8640"/>
             </a:lvl3pPr>
-            <a:lvl4pPr marL="1371600" indent="0" algn="ctr">
-              <a:buNone/>
-              <a:defRPr sz="1600"/>
+            <a:lvl4pPr marL="6583680" indent="0" algn="ctr">
+              <a:buNone/>
+              <a:defRPr sz="7680"/>
             </a:lvl4pPr>
-            <a:lvl5pPr marL="1828800" indent="0" algn="ctr">
-              <a:buNone/>
-              <a:defRPr sz="1600"/>
+            <a:lvl5pPr marL="8778240" indent="0" algn="ctr">
+              <a:buNone/>
+              <a:defRPr sz="7680"/>
             </a:lvl5pPr>
-            <a:lvl6pPr marL="2286000" indent="0" algn="ctr">
-              <a:buNone/>
-              <a:defRPr sz="1600"/>
+            <a:lvl6pPr marL="10972800" indent="0" algn="ctr">
+              <a:buNone/>
+              <a:defRPr sz="7680"/>
             </a:lvl6pPr>
-            <a:lvl7pPr marL="2743200" indent="0" algn="ctr">
-              <a:buNone/>
-              <a:defRPr sz="1600"/>
+            <a:lvl7pPr marL="13167360" indent="0" algn="ctr">
+              <a:buNone/>
+              <a:defRPr sz="7680"/>
             </a:lvl7pPr>
-            <a:lvl8pPr marL="3200400" indent="0" algn="ctr">
-              <a:buNone/>
-              <a:defRPr sz="1600"/>
+            <a:lvl8pPr marL="15361920" indent="0" algn="ctr">
+              <a:buNone/>
+              <a:defRPr sz="7680"/>
             </a:lvl8pPr>
-            <a:lvl9pPr marL="3657600" indent="0" algn="ctr">
-              <a:buNone/>
-              <a:defRPr sz="1600"/>
+            <a:lvl9pPr marL="17556480" indent="0" algn="ctr">
+              <a:buNone/>
+              <a:defRPr sz="7680"/>
             </a:lvl9pPr>
           </a:lstStyle>
           <a:p>
@@ -233,18 +222,13 @@
               <a:rPr lang="en-US"/>
               <a:t>Click to edit Master subtitle style</a:t>
             </a:r>
-          </a:p>
-        </p:txBody>
-      </p:sp>
-      <p:sp>
-        <p:nvSpPr>
-          <p:cNvPr id="4" name="Date Placeholder 3">
-            <a:extLst>
-              <a:ext uri="{FF2B5EF4-FFF2-40B4-BE49-F238E27FC236}">
-                <a16:creationId xmlns:a16="http://schemas.microsoft.com/office/drawing/2014/main" id="{E972F935-03B3-41C2-BC51-CD55E0FB089D}"/>
-              </a:ext>
-            </a:extLst>
-          </p:cNvPr>
+            <a:endParaRPr lang="en-US" dirty="0"/>
+          </a:p>
+        </p:txBody>
+      </p:sp>
+      <p:sp>
+        <p:nvSpPr>
+          <p:cNvPr id="4" name="Date Placeholder 3"/>
           <p:cNvSpPr>
             <a:spLocks noGrp="1"/>
           </p:cNvSpPr>
@@ -259,7 +243,7 @@
           <a:p>
             <a:fld id="{62BE2B66-B343-4A6F-9896-6FFEB2086BBB}" type="datetimeFigureOut">
               <a:rPr lang="en-US" smtClean="0"/>
-              <a:t>6/26/2021</a:t>
+              <a:t>6/29/2021</a:t>
             </a:fld>
             <a:endParaRPr lang="en-US"/>
           </a:p>
@@ -267,13 +251,7 @@
       </p:sp>
       <p:sp>
         <p:nvSpPr>
-          <p:cNvPr id="5" name="Footer Placeholder 4">
-            <a:extLst>
-              <a:ext uri="{FF2B5EF4-FFF2-40B4-BE49-F238E27FC236}">
-                <a16:creationId xmlns:a16="http://schemas.microsoft.com/office/drawing/2014/main" id="{092D74C9-F981-4B20-884A-708731FE6224}"/>
-              </a:ext>
-            </a:extLst>
-          </p:cNvPr>
+          <p:cNvPr id="5" name="Footer Placeholder 4"/>
           <p:cNvSpPr>
             <a:spLocks noGrp="1"/>
           </p:cNvSpPr>
@@ -292,13 +270,7 @@
       </p:sp>
       <p:sp>
         <p:nvSpPr>
-          <p:cNvPr id="6" name="Slide Number Placeholder 5">
-            <a:extLst>
-              <a:ext uri="{FF2B5EF4-FFF2-40B4-BE49-F238E27FC236}">
-                <a16:creationId xmlns:a16="http://schemas.microsoft.com/office/drawing/2014/main" id="{93C9912F-C2E6-4F0A-8F6C-D6ACBFDE78CC}"/>
-              </a:ext>
-            </a:extLst>
-          </p:cNvPr>
+          <p:cNvPr id="6" name="Slide Number Placeholder 5"/>
           <p:cNvSpPr>
             <a:spLocks noGrp="1"/>
           </p:cNvSpPr>
@@ -322,7 +294,7 @@
     </p:spTree>
     <p:extLst>
       <p:ext uri="{BB962C8B-B14F-4D97-AF65-F5344CB8AC3E}">
-        <p14:creationId xmlns:p14="http://schemas.microsoft.com/office/powerpoint/2010/main" val="106367291"/>
+        <p14:creationId xmlns:p14="http://schemas.microsoft.com/office/powerpoint/2010/main" val="472515753"/>
       </p:ext>
     </p:extLst>
   </p:cSld>
@@ -351,13 +323,7 @@
       </p:grpSpPr>
       <p:sp>
         <p:nvSpPr>
-          <p:cNvPr id="2" name="Title 1">
-            <a:extLst>
-              <a:ext uri="{FF2B5EF4-FFF2-40B4-BE49-F238E27FC236}">
-                <a16:creationId xmlns:a16="http://schemas.microsoft.com/office/drawing/2014/main" id="{A8F3C3D1-8F5D-45C2-AD46-542BE5A2B309}"/>
-              </a:ext>
-            </a:extLst>
-          </p:cNvPr>
+          <p:cNvPr id="2" name="Title 1"/>
           <p:cNvSpPr>
             <a:spLocks noGrp="1"/>
           </p:cNvSpPr>
@@ -374,18 +340,13 @@
               <a:rPr lang="en-US"/>
               <a:t>Click to edit Master title style</a:t>
             </a:r>
-          </a:p>
-        </p:txBody>
-      </p:sp>
-      <p:sp>
-        <p:nvSpPr>
-          <p:cNvPr id="3" name="Vertical Text Placeholder 2">
-            <a:extLst>
-              <a:ext uri="{FF2B5EF4-FFF2-40B4-BE49-F238E27FC236}">
-                <a16:creationId xmlns:a16="http://schemas.microsoft.com/office/drawing/2014/main" id="{BB573823-8E49-4B8F-81BD-DAA7E63695A1}"/>
-              </a:ext>
-            </a:extLst>
-          </p:cNvPr>
+            <a:endParaRPr lang="en-US" dirty="0"/>
+          </a:p>
+        </p:txBody>
+      </p:sp>
+      <p:sp>
+        <p:nvSpPr>
+          <p:cNvPr id="3" name="Vertical Text Placeholder 2"/>
           <p:cNvSpPr>
             <a:spLocks noGrp="1"/>
           </p:cNvSpPr>
@@ -431,18 +392,13 @@
               <a:rPr lang="en-US"/>
               <a:t>Fifth level</a:t>
             </a:r>
-          </a:p>
-        </p:txBody>
-      </p:sp>
-      <p:sp>
-        <p:nvSpPr>
-          <p:cNvPr id="4" name="Date Placeholder 3">
-            <a:extLst>
-              <a:ext uri="{FF2B5EF4-FFF2-40B4-BE49-F238E27FC236}">
-                <a16:creationId xmlns:a16="http://schemas.microsoft.com/office/drawing/2014/main" id="{CA2C0C94-5A91-4C3B-A86D-ED52A81C75BF}"/>
-              </a:ext>
-            </a:extLst>
-          </p:cNvPr>
+            <a:endParaRPr lang="en-US" dirty="0"/>
+          </a:p>
+        </p:txBody>
+      </p:sp>
+      <p:sp>
+        <p:nvSpPr>
+          <p:cNvPr id="4" name="Date Placeholder 3"/>
           <p:cNvSpPr>
             <a:spLocks noGrp="1"/>
           </p:cNvSpPr>
@@ -457,7 +413,7 @@
           <a:p>
             <a:fld id="{62BE2B66-B343-4A6F-9896-6FFEB2086BBB}" type="datetimeFigureOut">
               <a:rPr lang="en-US" smtClean="0"/>
-              <a:t>6/26/2021</a:t>
+              <a:t>6/29/2021</a:t>
             </a:fld>
             <a:endParaRPr lang="en-US"/>
           </a:p>
@@ -465,13 +421,7 @@
       </p:sp>
       <p:sp>
         <p:nvSpPr>
-          <p:cNvPr id="5" name="Footer Placeholder 4">
-            <a:extLst>
-              <a:ext uri="{FF2B5EF4-FFF2-40B4-BE49-F238E27FC236}">
-                <a16:creationId xmlns:a16="http://schemas.microsoft.com/office/drawing/2014/main" id="{C4AA50AF-97F0-407D-A1A2-BDD5A49ADB35}"/>
-              </a:ext>
-            </a:extLst>
-          </p:cNvPr>
+          <p:cNvPr id="5" name="Footer Placeholder 4"/>
           <p:cNvSpPr>
             <a:spLocks noGrp="1"/>
           </p:cNvSpPr>
@@ -490,13 +440,7 @@
       </p:sp>
       <p:sp>
         <p:nvSpPr>
-          <p:cNvPr id="6" name="Slide Number Placeholder 5">
-            <a:extLst>
-              <a:ext uri="{FF2B5EF4-FFF2-40B4-BE49-F238E27FC236}">
-                <a16:creationId xmlns:a16="http://schemas.microsoft.com/office/drawing/2014/main" id="{F3CCE764-1C1E-4746-87EB-DD7A1A19D303}"/>
-              </a:ext>
-            </a:extLst>
-          </p:cNvPr>
+          <p:cNvPr id="6" name="Slide Number Placeholder 5"/>
           <p:cNvSpPr>
             <a:spLocks noGrp="1"/>
           </p:cNvSpPr>
@@ -520,7 +464,7 @@
     </p:spTree>
     <p:extLst>
       <p:ext uri="{BB962C8B-B14F-4D97-AF65-F5344CB8AC3E}">
-        <p14:creationId xmlns:p14="http://schemas.microsoft.com/office/powerpoint/2010/main" val="1080621068"/>
+        <p14:creationId xmlns:p14="http://schemas.microsoft.com/office/powerpoint/2010/main" val="1290747777"/>
       </p:ext>
     </p:extLst>
   </p:cSld>
@@ -549,13 +493,7 @@
       </p:grpSpPr>
       <p:sp>
         <p:nvSpPr>
-          <p:cNvPr id="2" name="Vertical Title 1">
-            <a:extLst>
-              <a:ext uri="{FF2B5EF4-FFF2-40B4-BE49-F238E27FC236}">
-                <a16:creationId xmlns:a16="http://schemas.microsoft.com/office/drawing/2014/main" id="{6271BD90-9133-4ABE-A5A3-41ED379C9DE5}"/>
-              </a:ext>
-            </a:extLst>
-          </p:cNvPr>
+          <p:cNvPr id="2" name="Vertical Title 1"/>
           <p:cNvSpPr>
             <a:spLocks noGrp="1"/>
           </p:cNvSpPr>
@@ -565,8 +503,8 @@
         </p:nvSpPr>
         <p:spPr>
           <a:xfrm>
-            <a:off x="8724900" y="365125"/>
-            <a:ext cx="2628900" cy="5811838"/>
+            <a:off x="31409642" y="1752600"/>
+            <a:ext cx="9464040" cy="27896822"/>
           </a:xfrm>
         </p:spPr>
         <p:txBody>
@@ -577,18 +515,13 @@
               <a:rPr lang="en-US"/>
               <a:t>Click to edit Master title style</a:t>
             </a:r>
-          </a:p>
-        </p:txBody>
-      </p:sp>
-      <p:sp>
-        <p:nvSpPr>
-          <p:cNvPr id="3" name="Vertical Text Placeholder 2">
-            <a:extLst>
-              <a:ext uri="{FF2B5EF4-FFF2-40B4-BE49-F238E27FC236}">
-                <a16:creationId xmlns:a16="http://schemas.microsoft.com/office/drawing/2014/main" id="{4962646B-86C0-42C0-9109-C0098FC730C6}"/>
-              </a:ext>
-            </a:extLst>
-          </p:cNvPr>
+            <a:endParaRPr lang="en-US" dirty="0"/>
+          </a:p>
+        </p:txBody>
+      </p:sp>
+      <p:sp>
+        <p:nvSpPr>
+          <p:cNvPr id="3" name="Vertical Text Placeholder 2"/>
           <p:cNvSpPr>
             <a:spLocks noGrp="1"/>
           </p:cNvSpPr>
@@ -598,8 +531,8 @@
         </p:nvSpPr>
         <p:spPr>
           <a:xfrm>
-            <a:off x="838200" y="365125"/>
-            <a:ext cx="7734300" cy="5811838"/>
+            <a:off x="3017522" y="1752600"/>
+            <a:ext cx="27843480" cy="27896822"/>
           </a:xfrm>
         </p:spPr>
         <p:txBody>
@@ -639,18 +572,13 @@
               <a:rPr lang="en-US"/>
               <a:t>Fifth level</a:t>
             </a:r>
-          </a:p>
-        </p:txBody>
-      </p:sp>
-      <p:sp>
-        <p:nvSpPr>
-          <p:cNvPr id="4" name="Date Placeholder 3">
-            <a:extLst>
-              <a:ext uri="{FF2B5EF4-FFF2-40B4-BE49-F238E27FC236}">
-                <a16:creationId xmlns:a16="http://schemas.microsoft.com/office/drawing/2014/main" id="{FF659DB9-26F5-4F27-9770-6F7BE25C077D}"/>
-              </a:ext>
-            </a:extLst>
-          </p:cNvPr>
+            <a:endParaRPr lang="en-US" dirty="0"/>
+          </a:p>
+        </p:txBody>
+      </p:sp>
+      <p:sp>
+        <p:nvSpPr>
+          <p:cNvPr id="4" name="Date Placeholder 3"/>
           <p:cNvSpPr>
             <a:spLocks noGrp="1"/>
           </p:cNvSpPr>
@@ -665,7 +593,7 @@
           <a:p>
             <a:fld id="{62BE2B66-B343-4A6F-9896-6FFEB2086BBB}" type="datetimeFigureOut">
               <a:rPr lang="en-US" smtClean="0"/>
-              <a:t>6/26/2021</a:t>
+              <a:t>6/29/2021</a:t>
             </a:fld>
             <a:endParaRPr lang="en-US"/>
           </a:p>
@@ -673,13 +601,7 @@
       </p:sp>
       <p:sp>
         <p:nvSpPr>
-          <p:cNvPr id="5" name="Footer Placeholder 4">
-            <a:extLst>
-              <a:ext uri="{FF2B5EF4-FFF2-40B4-BE49-F238E27FC236}">
-                <a16:creationId xmlns:a16="http://schemas.microsoft.com/office/drawing/2014/main" id="{D1A53707-8B91-44EF-99E0-2613092C0057}"/>
-              </a:ext>
-            </a:extLst>
-          </p:cNvPr>
+          <p:cNvPr id="5" name="Footer Placeholder 4"/>
           <p:cNvSpPr>
             <a:spLocks noGrp="1"/>
           </p:cNvSpPr>
@@ -698,13 +620,7 @@
       </p:sp>
       <p:sp>
         <p:nvSpPr>
-          <p:cNvPr id="6" name="Slide Number Placeholder 5">
-            <a:extLst>
-              <a:ext uri="{FF2B5EF4-FFF2-40B4-BE49-F238E27FC236}">
-                <a16:creationId xmlns:a16="http://schemas.microsoft.com/office/drawing/2014/main" id="{012AFCB7-1307-473B-8955-EAD51F43E33C}"/>
-              </a:ext>
-            </a:extLst>
-          </p:cNvPr>
+          <p:cNvPr id="6" name="Slide Number Placeholder 5"/>
           <p:cNvSpPr>
             <a:spLocks noGrp="1"/>
           </p:cNvSpPr>
@@ -728,7 +644,7 @@
     </p:spTree>
     <p:extLst>
       <p:ext uri="{BB962C8B-B14F-4D97-AF65-F5344CB8AC3E}">
-        <p14:creationId xmlns:p14="http://schemas.microsoft.com/office/powerpoint/2010/main" val="3681223628"/>
+        <p14:creationId xmlns:p14="http://schemas.microsoft.com/office/powerpoint/2010/main" val="317433402"/>
       </p:ext>
     </p:extLst>
   </p:cSld>
@@ -757,13 +673,7 @@
       </p:grpSpPr>
       <p:sp>
         <p:nvSpPr>
-          <p:cNvPr id="2" name="Title 1">
-            <a:extLst>
-              <a:ext uri="{FF2B5EF4-FFF2-40B4-BE49-F238E27FC236}">
-                <a16:creationId xmlns:a16="http://schemas.microsoft.com/office/drawing/2014/main" id="{87089D7B-1ABB-4A76-8875-4DB55B9F36D6}"/>
-              </a:ext>
-            </a:extLst>
-          </p:cNvPr>
+          <p:cNvPr id="2" name="Title 1"/>
           <p:cNvSpPr>
             <a:spLocks noGrp="1"/>
           </p:cNvSpPr>
@@ -780,18 +690,13 @@
               <a:rPr lang="en-US"/>
               <a:t>Click to edit Master title style</a:t>
             </a:r>
-          </a:p>
-        </p:txBody>
-      </p:sp>
-      <p:sp>
-        <p:nvSpPr>
-          <p:cNvPr id="3" name="Content Placeholder 2">
-            <a:extLst>
-              <a:ext uri="{FF2B5EF4-FFF2-40B4-BE49-F238E27FC236}">
-                <a16:creationId xmlns:a16="http://schemas.microsoft.com/office/drawing/2014/main" id="{29CE4D2E-0554-4B46-9A55-35F097EC4414}"/>
-              </a:ext>
-            </a:extLst>
-          </p:cNvPr>
+            <a:endParaRPr lang="en-US" dirty="0"/>
+          </a:p>
+        </p:txBody>
+      </p:sp>
+      <p:sp>
+        <p:nvSpPr>
+          <p:cNvPr id="3" name="Content Placeholder 2"/>
           <p:cNvSpPr>
             <a:spLocks noGrp="1"/>
           </p:cNvSpPr>
@@ -837,18 +742,13 @@
               <a:rPr lang="en-US"/>
               <a:t>Fifth level</a:t>
             </a:r>
-          </a:p>
-        </p:txBody>
-      </p:sp>
-      <p:sp>
-        <p:nvSpPr>
-          <p:cNvPr id="4" name="Date Placeholder 3">
-            <a:extLst>
-              <a:ext uri="{FF2B5EF4-FFF2-40B4-BE49-F238E27FC236}">
-                <a16:creationId xmlns:a16="http://schemas.microsoft.com/office/drawing/2014/main" id="{BADC744A-AE43-42CA-842E-182F12B287A8}"/>
-              </a:ext>
-            </a:extLst>
-          </p:cNvPr>
+            <a:endParaRPr lang="en-US" dirty="0"/>
+          </a:p>
+        </p:txBody>
+      </p:sp>
+      <p:sp>
+        <p:nvSpPr>
+          <p:cNvPr id="4" name="Date Placeholder 3"/>
           <p:cNvSpPr>
             <a:spLocks noGrp="1"/>
           </p:cNvSpPr>
@@ -863,7 +763,7 @@
           <a:p>
             <a:fld id="{62BE2B66-B343-4A6F-9896-6FFEB2086BBB}" type="datetimeFigureOut">
               <a:rPr lang="en-US" smtClean="0"/>
-              <a:t>6/26/2021</a:t>
+              <a:t>6/29/2021</a:t>
             </a:fld>
             <a:endParaRPr lang="en-US"/>
           </a:p>
@@ -871,13 +771,7 @@
       </p:sp>
       <p:sp>
         <p:nvSpPr>
-          <p:cNvPr id="5" name="Footer Placeholder 4">
-            <a:extLst>
-              <a:ext uri="{FF2B5EF4-FFF2-40B4-BE49-F238E27FC236}">
-                <a16:creationId xmlns:a16="http://schemas.microsoft.com/office/drawing/2014/main" id="{DFEB8926-D624-415E-A4EF-6F612A00C034}"/>
-              </a:ext>
-            </a:extLst>
-          </p:cNvPr>
+          <p:cNvPr id="5" name="Footer Placeholder 4"/>
           <p:cNvSpPr>
             <a:spLocks noGrp="1"/>
           </p:cNvSpPr>
@@ -896,13 +790,7 @@
       </p:sp>
       <p:sp>
         <p:nvSpPr>
-          <p:cNvPr id="6" name="Slide Number Placeholder 5">
-            <a:extLst>
-              <a:ext uri="{FF2B5EF4-FFF2-40B4-BE49-F238E27FC236}">
-                <a16:creationId xmlns:a16="http://schemas.microsoft.com/office/drawing/2014/main" id="{43631DB7-0D6C-4953-B23E-937929EDB0DC}"/>
-              </a:ext>
-            </a:extLst>
-          </p:cNvPr>
+          <p:cNvPr id="6" name="Slide Number Placeholder 5"/>
           <p:cNvSpPr>
             <a:spLocks noGrp="1"/>
           </p:cNvSpPr>
@@ -926,7 +814,7 @@
     </p:spTree>
     <p:extLst>
       <p:ext uri="{BB962C8B-B14F-4D97-AF65-F5344CB8AC3E}">
-        <p14:creationId xmlns:p14="http://schemas.microsoft.com/office/powerpoint/2010/main" val="903328013"/>
+        <p14:creationId xmlns:p14="http://schemas.microsoft.com/office/powerpoint/2010/main" val="1845535195"/>
       </p:ext>
     </p:extLst>
   </p:cSld>
@@ -955,13 +843,7 @@
       </p:grpSpPr>
       <p:sp>
         <p:nvSpPr>
-          <p:cNvPr id="2" name="Title 1">
-            <a:extLst>
-              <a:ext uri="{FF2B5EF4-FFF2-40B4-BE49-F238E27FC236}">
-                <a16:creationId xmlns:a16="http://schemas.microsoft.com/office/drawing/2014/main" id="{B88B55C9-F35E-4F6E-B099-87A213EF5F58}"/>
-              </a:ext>
-            </a:extLst>
-          </p:cNvPr>
+          <p:cNvPr id="2" name="Title 1"/>
           <p:cNvSpPr>
             <a:spLocks noGrp="1"/>
           </p:cNvSpPr>
@@ -971,15 +853,15 @@
         </p:nvSpPr>
         <p:spPr>
           <a:xfrm>
-            <a:off x="831850" y="1709738"/>
-            <a:ext cx="10515600" cy="2852737"/>
+            <a:off x="2994662" y="8206749"/>
+            <a:ext cx="37856160" cy="13693138"/>
           </a:xfrm>
         </p:spPr>
         <p:txBody>
           <a:bodyPr anchor="b"/>
           <a:lstStyle>
             <a:lvl1pPr>
-              <a:defRPr sz="6000"/>
+              <a:defRPr sz="28800"/>
             </a:lvl1pPr>
           </a:lstStyle>
           <a:p>
@@ -987,18 +869,13 @@
               <a:rPr lang="en-US"/>
               <a:t>Click to edit Master title style</a:t>
             </a:r>
-          </a:p>
-        </p:txBody>
-      </p:sp>
-      <p:sp>
-        <p:nvSpPr>
-          <p:cNvPr id="3" name="Text Placeholder 2">
-            <a:extLst>
-              <a:ext uri="{FF2B5EF4-FFF2-40B4-BE49-F238E27FC236}">
-                <a16:creationId xmlns:a16="http://schemas.microsoft.com/office/drawing/2014/main" id="{C8A23DD8-02F2-4910-864B-7E9A07FE4A48}"/>
-              </a:ext>
-            </a:extLst>
-          </p:cNvPr>
+            <a:endParaRPr lang="en-US" dirty="0"/>
+          </a:p>
+        </p:txBody>
+      </p:sp>
+      <p:sp>
+        <p:nvSpPr>
+          <p:cNvPr id="3" name="Text Placeholder 2"/>
           <p:cNvSpPr>
             <a:spLocks noGrp="1"/>
           </p:cNvSpPr>
@@ -1008,8 +885,8 @@
         </p:nvSpPr>
         <p:spPr>
           <a:xfrm>
-            <a:off x="831850" y="4589463"/>
-            <a:ext cx="10515600" cy="1500187"/>
+            <a:off x="2994662" y="22029429"/>
+            <a:ext cx="37856160" cy="7200898"/>
           </a:xfrm>
         </p:spPr>
         <p:txBody>
@@ -1017,17 +894,15 @@
           <a:lstStyle>
             <a:lvl1pPr marL="0" indent="0">
               <a:buNone/>
-              <a:defRPr sz="2400">
+              <a:defRPr sz="11520">
                 <a:solidFill>
-                  <a:schemeClr val="tx1">
-                    <a:tint val="75000"/>
-                  </a:schemeClr>
+                  <a:schemeClr val="tx1"/>
                 </a:solidFill>
               </a:defRPr>
             </a:lvl1pPr>
-            <a:lvl2pPr marL="457200" indent="0">
-              <a:buNone/>
-              <a:defRPr sz="2000">
+            <a:lvl2pPr marL="2194560" indent="0">
+              <a:buNone/>
+              <a:defRPr sz="9600">
                 <a:solidFill>
                   <a:schemeClr val="tx1">
                     <a:tint val="75000"/>
@@ -1035,9 +910,9 @@
                 </a:solidFill>
               </a:defRPr>
             </a:lvl2pPr>
-            <a:lvl3pPr marL="914400" indent="0">
-              <a:buNone/>
-              <a:defRPr sz="1800">
+            <a:lvl3pPr marL="4389120" indent="0">
+              <a:buNone/>
+              <a:defRPr sz="8640">
                 <a:solidFill>
                   <a:schemeClr val="tx1">
                     <a:tint val="75000"/>
@@ -1045,9 +920,9 @@
                 </a:solidFill>
               </a:defRPr>
             </a:lvl3pPr>
-            <a:lvl4pPr marL="1371600" indent="0">
-              <a:buNone/>
-              <a:defRPr sz="1600">
+            <a:lvl4pPr marL="6583680" indent="0">
+              <a:buNone/>
+              <a:defRPr sz="7680">
                 <a:solidFill>
                   <a:schemeClr val="tx1">
                     <a:tint val="75000"/>
@@ -1055,9 +930,9 @@
                 </a:solidFill>
               </a:defRPr>
             </a:lvl4pPr>
-            <a:lvl5pPr marL="1828800" indent="0">
-              <a:buNone/>
-              <a:defRPr sz="1600">
+            <a:lvl5pPr marL="8778240" indent="0">
+              <a:buNone/>
+              <a:defRPr sz="7680">
                 <a:solidFill>
                   <a:schemeClr val="tx1">
                     <a:tint val="75000"/>
@@ -1065,9 +940,9 @@
                 </a:solidFill>
               </a:defRPr>
             </a:lvl5pPr>
-            <a:lvl6pPr marL="2286000" indent="0">
-              <a:buNone/>
-              <a:defRPr sz="1600">
+            <a:lvl6pPr marL="10972800" indent="0">
+              <a:buNone/>
+              <a:defRPr sz="7680">
                 <a:solidFill>
                   <a:schemeClr val="tx1">
                     <a:tint val="75000"/>
@@ -1075,9 +950,9 @@
                 </a:solidFill>
               </a:defRPr>
             </a:lvl6pPr>
-            <a:lvl7pPr marL="2743200" indent="0">
-              <a:buNone/>
-              <a:defRPr sz="1600">
+            <a:lvl7pPr marL="13167360" indent="0">
+              <a:buNone/>
+              <a:defRPr sz="7680">
                 <a:solidFill>
                   <a:schemeClr val="tx1">
                     <a:tint val="75000"/>
@@ -1085,9 +960,9 @@
                 </a:solidFill>
               </a:defRPr>
             </a:lvl7pPr>
-            <a:lvl8pPr marL="3200400" indent="0">
-              <a:buNone/>
-              <a:defRPr sz="1600">
+            <a:lvl8pPr marL="15361920" indent="0">
+              <a:buNone/>
+              <a:defRPr sz="7680">
                 <a:solidFill>
                   <a:schemeClr val="tx1">
                     <a:tint val="75000"/>
@@ -1095,9 +970,9 @@
                 </a:solidFill>
               </a:defRPr>
             </a:lvl8pPr>
-            <a:lvl9pPr marL="3657600" indent="0">
-              <a:buNone/>
-              <a:defRPr sz="1600">
+            <a:lvl9pPr marL="17556480" indent="0">
+              <a:buNone/>
+              <a:defRPr sz="7680">
                 <a:solidFill>
                   <a:schemeClr val="tx1">
                     <a:tint val="75000"/>
@@ -1117,13 +992,7 @@
       </p:sp>
       <p:sp>
         <p:nvSpPr>
-          <p:cNvPr id="4" name="Date Placeholder 3">
-            <a:extLst>
-              <a:ext uri="{FF2B5EF4-FFF2-40B4-BE49-F238E27FC236}">
-                <a16:creationId xmlns:a16="http://schemas.microsoft.com/office/drawing/2014/main" id="{BC0697DC-F4E9-46BF-8EDB-2BCA9107D1B3}"/>
-              </a:ext>
-            </a:extLst>
-          </p:cNvPr>
+          <p:cNvPr id="4" name="Date Placeholder 3"/>
           <p:cNvSpPr>
             <a:spLocks noGrp="1"/>
           </p:cNvSpPr>
@@ -1138,7 +1007,7 @@
           <a:p>
             <a:fld id="{62BE2B66-B343-4A6F-9896-6FFEB2086BBB}" type="datetimeFigureOut">
               <a:rPr lang="en-US" smtClean="0"/>
-              <a:t>6/26/2021</a:t>
+              <a:t>6/29/2021</a:t>
             </a:fld>
             <a:endParaRPr lang="en-US"/>
           </a:p>
@@ -1146,13 +1015,7 @@
       </p:sp>
       <p:sp>
         <p:nvSpPr>
-          <p:cNvPr id="5" name="Footer Placeholder 4">
-            <a:extLst>
-              <a:ext uri="{FF2B5EF4-FFF2-40B4-BE49-F238E27FC236}">
-                <a16:creationId xmlns:a16="http://schemas.microsoft.com/office/drawing/2014/main" id="{B2645748-1C5B-4851-946B-C54BF875D480}"/>
-              </a:ext>
-            </a:extLst>
-          </p:cNvPr>
+          <p:cNvPr id="5" name="Footer Placeholder 4"/>
           <p:cNvSpPr>
             <a:spLocks noGrp="1"/>
           </p:cNvSpPr>
@@ -1171,13 +1034,7 @@
       </p:sp>
       <p:sp>
         <p:nvSpPr>
-          <p:cNvPr id="6" name="Slide Number Placeholder 5">
-            <a:extLst>
-              <a:ext uri="{FF2B5EF4-FFF2-40B4-BE49-F238E27FC236}">
-                <a16:creationId xmlns:a16="http://schemas.microsoft.com/office/drawing/2014/main" id="{6F63CFA3-5ED8-4B75-8BFD-201F719394CB}"/>
-              </a:ext>
-            </a:extLst>
-          </p:cNvPr>
+          <p:cNvPr id="6" name="Slide Number Placeholder 5"/>
           <p:cNvSpPr>
             <a:spLocks noGrp="1"/>
           </p:cNvSpPr>
@@ -1201,7 +1058,7 @@
     </p:spTree>
     <p:extLst>
       <p:ext uri="{BB962C8B-B14F-4D97-AF65-F5344CB8AC3E}">
-        <p14:creationId xmlns:p14="http://schemas.microsoft.com/office/powerpoint/2010/main" val="1535550643"/>
+        <p14:creationId xmlns:p14="http://schemas.microsoft.com/office/powerpoint/2010/main" val="2240897564"/>
       </p:ext>
     </p:extLst>
   </p:cSld>
@@ -1230,13 +1087,7 @@
       </p:grpSpPr>
       <p:sp>
         <p:nvSpPr>
-          <p:cNvPr id="2" name="Title 1">
-            <a:extLst>
-              <a:ext uri="{FF2B5EF4-FFF2-40B4-BE49-F238E27FC236}">
-                <a16:creationId xmlns:a16="http://schemas.microsoft.com/office/drawing/2014/main" id="{6727C508-EA6D-4EF1-9FE4-A7C4D14FB31A}"/>
-              </a:ext>
-            </a:extLst>
-          </p:cNvPr>
+          <p:cNvPr id="2" name="Title 1"/>
           <p:cNvSpPr>
             <a:spLocks noGrp="1"/>
           </p:cNvSpPr>
@@ -1253,18 +1104,13 @@
               <a:rPr lang="en-US"/>
               <a:t>Click to edit Master title style</a:t>
             </a:r>
-          </a:p>
-        </p:txBody>
-      </p:sp>
-      <p:sp>
-        <p:nvSpPr>
-          <p:cNvPr id="3" name="Content Placeholder 2">
-            <a:extLst>
-              <a:ext uri="{FF2B5EF4-FFF2-40B4-BE49-F238E27FC236}">
-                <a16:creationId xmlns:a16="http://schemas.microsoft.com/office/drawing/2014/main" id="{7F660078-F1E2-4DA5-8F42-3155BD9816B6}"/>
-              </a:ext>
-            </a:extLst>
-          </p:cNvPr>
+            <a:endParaRPr lang="en-US" dirty="0"/>
+          </a:p>
+        </p:txBody>
+      </p:sp>
+      <p:sp>
+        <p:nvSpPr>
+          <p:cNvPr id="3" name="Content Placeholder 2"/>
           <p:cNvSpPr>
             <a:spLocks noGrp="1"/>
           </p:cNvSpPr>
@@ -1274,8 +1120,8 @@
         </p:nvSpPr>
         <p:spPr>
           <a:xfrm>
-            <a:off x="838200" y="1825625"/>
-            <a:ext cx="5181600" cy="4351338"/>
+            <a:off x="3017520" y="8763000"/>
+            <a:ext cx="18653760" cy="20886422"/>
           </a:xfrm>
         </p:spPr>
         <p:txBody>
@@ -1315,18 +1161,13 @@
               <a:rPr lang="en-US"/>
               <a:t>Fifth level</a:t>
             </a:r>
-          </a:p>
-        </p:txBody>
-      </p:sp>
-      <p:sp>
-        <p:nvSpPr>
-          <p:cNvPr id="4" name="Content Placeholder 3">
-            <a:extLst>
-              <a:ext uri="{FF2B5EF4-FFF2-40B4-BE49-F238E27FC236}">
-                <a16:creationId xmlns:a16="http://schemas.microsoft.com/office/drawing/2014/main" id="{3878594C-363A-4459-A799-2EF209F59C67}"/>
-              </a:ext>
-            </a:extLst>
-          </p:cNvPr>
+            <a:endParaRPr lang="en-US" dirty="0"/>
+          </a:p>
+        </p:txBody>
+      </p:sp>
+      <p:sp>
+        <p:nvSpPr>
+          <p:cNvPr id="4" name="Content Placeholder 3"/>
           <p:cNvSpPr>
             <a:spLocks noGrp="1"/>
           </p:cNvSpPr>
@@ -1336,8 +1177,8 @@
         </p:nvSpPr>
         <p:spPr>
           <a:xfrm>
-            <a:off x="6172200" y="1825625"/>
-            <a:ext cx="5181600" cy="4351338"/>
+            <a:off x="22219920" y="8763000"/>
+            <a:ext cx="18653760" cy="20886422"/>
           </a:xfrm>
         </p:spPr>
         <p:txBody>
@@ -1377,18 +1218,13 @@
               <a:rPr lang="en-US"/>
               <a:t>Fifth level</a:t>
             </a:r>
-          </a:p>
-        </p:txBody>
-      </p:sp>
-      <p:sp>
-        <p:nvSpPr>
-          <p:cNvPr id="5" name="Date Placeholder 4">
-            <a:extLst>
-              <a:ext uri="{FF2B5EF4-FFF2-40B4-BE49-F238E27FC236}">
-                <a16:creationId xmlns:a16="http://schemas.microsoft.com/office/drawing/2014/main" id="{684A2756-C993-4CE6-A40A-F803C152CDA2}"/>
-              </a:ext>
-            </a:extLst>
-          </p:cNvPr>
+            <a:endParaRPr lang="en-US" dirty="0"/>
+          </a:p>
+        </p:txBody>
+      </p:sp>
+      <p:sp>
+        <p:nvSpPr>
+          <p:cNvPr id="5" name="Date Placeholder 4"/>
           <p:cNvSpPr>
             <a:spLocks noGrp="1"/>
           </p:cNvSpPr>
@@ -1403,7 +1239,7 @@
           <a:p>
             <a:fld id="{62BE2B66-B343-4A6F-9896-6FFEB2086BBB}" type="datetimeFigureOut">
               <a:rPr lang="en-US" smtClean="0"/>
-              <a:t>6/26/2021</a:t>
+              <a:t>6/29/2021</a:t>
             </a:fld>
             <a:endParaRPr lang="en-US"/>
           </a:p>
@@ -1411,13 +1247,7 @@
       </p:sp>
       <p:sp>
         <p:nvSpPr>
-          <p:cNvPr id="6" name="Footer Placeholder 5">
-            <a:extLst>
-              <a:ext uri="{FF2B5EF4-FFF2-40B4-BE49-F238E27FC236}">
-                <a16:creationId xmlns:a16="http://schemas.microsoft.com/office/drawing/2014/main" id="{4147E4AA-F665-44EF-A8E5-2081B0EAE0A4}"/>
-              </a:ext>
-            </a:extLst>
-          </p:cNvPr>
+          <p:cNvPr id="6" name="Footer Placeholder 5"/>
           <p:cNvSpPr>
             <a:spLocks noGrp="1"/>
           </p:cNvSpPr>
@@ -1436,13 +1266,7 @@
       </p:sp>
       <p:sp>
         <p:nvSpPr>
-          <p:cNvPr id="7" name="Slide Number Placeholder 6">
-            <a:extLst>
-              <a:ext uri="{FF2B5EF4-FFF2-40B4-BE49-F238E27FC236}">
-                <a16:creationId xmlns:a16="http://schemas.microsoft.com/office/drawing/2014/main" id="{3AE34C77-933C-497A-9702-11813E3CE913}"/>
-              </a:ext>
-            </a:extLst>
-          </p:cNvPr>
+          <p:cNvPr id="7" name="Slide Number Placeholder 6"/>
           <p:cNvSpPr>
             <a:spLocks noGrp="1"/>
           </p:cNvSpPr>
@@ -1466,7 +1290,7 @@
     </p:spTree>
     <p:extLst>
       <p:ext uri="{BB962C8B-B14F-4D97-AF65-F5344CB8AC3E}">
-        <p14:creationId xmlns:p14="http://schemas.microsoft.com/office/powerpoint/2010/main" val="2274993163"/>
+        <p14:creationId xmlns:p14="http://schemas.microsoft.com/office/powerpoint/2010/main" val="2850863316"/>
       </p:ext>
     </p:extLst>
   </p:cSld>
@@ -1495,13 +1319,7 @@
       </p:grpSpPr>
       <p:sp>
         <p:nvSpPr>
-          <p:cNvPr id="2" name="Title 1">
-            <a:extLst>
-              <a:ext uri="{FF2B5EF4-FFF2-40B4-BE49-F238E27FC236}">
-                <a16:creationId xmlns:a16="http://schemas.microsoft.com/office/drawing/2014/main" id="{37DF372F-6B7D-4C8F-998A-309C8EBD476E}"/>
-              </a:ext>
-            </a:extLst>
-          </p:cNvPr>
+          <p:cNvPr id="2" name="Title 1"/>
           <p:cNvSpPr>
             <a:spLocks noGrp="1"/>
           </p:cNvSpPr>
@@ -1511,8 +1329,8 @@
         </p:nvSpPr>
         <p:spPr>
           <a:xfrm>
-            <a:off x="839788" y="365125"/>
-            <a:ext cx="10515600" cy="1325563"/>
+            <a:off x="3023237" y="1752607"/>
+            <a:ext cx="37856160" cy="6362702"/>
           </a:xfrm>
         </p:spPr>
         <p:txBody>
@@ -1523,18 +1341,13 @@
               <a:rPr lang="en-US"/>
               <a:t>Click to edit Master title style</a:t>
             </a:r>
-          </a:p>
-        </p:txBody>
-      </p:sp>
-      <p:sp>
-        <p:nvSpPr>
-          <p:cNvPr id="3" name="Text Placeholder 2">
-            <a:extLst>
-              <a:ext uri="{FF2B5EF4-FFF2-40B4-BE49-F238E27FC236}">
-                <a16:creationId xmlns:a16="http://schemas.microsoft.com/office/drawing/2014/main" id="{430906F8-585A-4919-A1CB-D6FD309078EE}"/>
-              </a:ext>
-            </a:extLst>
-          </p:cNvPr>
+            <a:endParaRPr lang="en-US" dirty="0"/>
+          </a:p>
+        </p:txBody>
+      </p:sp>
+      <p:sp>
+        <p:nvSpPr>
+          <p:cNvPr id="3" name="Text Placeholder 2"/>
           <p:cNvSpPr>
             <a:spLocks noGrp="1"/>
           </p:cNvSpPr>
@@ -1544,8 +1357,8 @@
         </p:nvSpPr>
         <p:spPr>
           <a:xfrm>
-            <a:off x="839788" y="1681163"/>
-            <a:ext cx="5157787" cy="823912"/>
+            <a:off x="3023242" y="8069582"/>
+            <a:ext cx="18568032" cy="3954778"/>
           </a:xfrm>
         </p:spPr>
         <p:txBody>
@@ -1553,39 +1366,39 @@
           <a:lstStyle>
             <a:lvl1pPr marL="0" indent="0">
               <a:buNone/>
-              <a:defRPr sz="2400" b="1"/>
+              <a:defRPr sz="11520" b="1"/>
             </a:lvl1pPr>
-            <a:lvl2pPr marL="457200" indent="0">
-              <a:buNone/>
-              <a:defRPr sz="2000" b="1"/>
+            <a:lvl2pPr marL="2194560" indent="0">
+              <a:buNone/>
+              <a:defRPr sz="9600" b="1"/>
             </a:lvl2pPr>
-            <a:lvl3pPr marL="914400" indent="0">
-              <a:buNone/>
-              <a:defRPr sz="1800" b="1"/>
+            <a:lvl3pPr marL="4389120" indent="0">
+              <a:buNone/>
+              <a:defRPr sz="8640" b="1"/>
             </a:lvl3pPr>
-            <a:lvl4pPr marL="1371600" indent="0">
-              <a:buNone/>
-              <a:defRPr sz="1600" b="1"/>
+            <a:lvl4pPr marL="6583680" indent="0">
+              <a:buNone/>
+              <a:defRPr sz="7680" b="1"/>
             </a:lvl4pPr>
-            <a:lvl5pPr marL="1828800" indent="0">
-              <a:buNone/>
-              <a:defRPr sz="1600" b="1"/>
+            <a:lvl5pPr marL="8778240" indent="0">
+              <a:buNone/>
+              <a:defRPr sz="7680" b="1"/>
             </a:lvl5pPr>
-            <a:lvl6pPr marL="2286000" indent="0">
-              <a:buNone/>
-              <a:defRPr sz="1600" b="1"/>
+            <a:lvl6pPr marL="10972800" indent="0">
+              <a:buNone/>
+              <a:defRPr sz="7680" b="1"/>
             </a:lvl6pPr>
-            <a:lvl7pPr marL="2743200" indent="0">
-              <a:buNone/>
-              <a:defRPr sz="1600" b="1"/>
+            <a:lvl7pPr marL="13167360" indent="0">
+              <a:buNone/>
+              <a:defRPr sz="7680" b="1"/>
             </a:lvl7pPr>
-            <a:lvl8pPr marL="3200400" indent="0">
-              <a:buNone/>
-              <a:defRPr sz="1600" b="1"/>
+            <a:lvl8pPr marL="15361920" indent="0">
+              <a:buNone/>
+              <a:defRPr sz="7680" b="1"/>
             </a:lvl8pPr>
-            <a:lvl9pPr marL="3657600" indent="0">
-              <a:buNone/>
-              <a:defRPr sz="1600" b="1"/>
+            <a:lvl9pPr marL="17556480" indent="0">
+              <a:buNone/>
+              <a:defRPr sz="7680" b="1"/>
             </a:lvl9pPr>
           </a:lstStyle>
           <a:p>
@@ -1599,13 +1412,7 @@
       </p:sp>
       <p:sp>
         <p:nvSpPr>
-          <p:cNvPr id="4" name="Content Placeholder 3">
-            <a:extLst>
-              <a:ext uri="{FF2B5EF4-FFF2-40B4-BE49-F238E27FC236}">
-                <a16:creationId xmlns:a16="http://schemas.microsoft.com/office/drawing/2014/main" id="{4AC754A0-AD6D-4D23-9B8E-5800BC4B6160}"/>
-              </a:ext>
-            </a:extLst>
-          </p:cNvPr>
+          <p:cNvPr id="4" name="Content Placeholder 3"/>
           <p:cNvSpPr>
             <a:spLocks noGrp="1"/>
           </p:cNvSpPr>
@@ -1615,8 +1422,8 @@
         </p:nvSpPr>
         <p:spPr>
           <a:xfrm>
-            <a:off x="839788" y="2505075"/>
-            <a:ext cx="5157787" cy="3684588"/>
+            <a:off x="3023242" y="12024360"/>
+            <a:ext cx="18568032" cy="17686022"/>
           </a:xfrm>
         </p:spPr>
         <p:txBody>
@@ -1656,18 +1463,13 @@
               <a:rPr lang="en-US"/>
               <a:t>Fifth level</a:t>
             </a:r>
-          </a:p>
-        </p:txBody>
-      </p:sp>
-      <p:sp>
-        <p:nvSpPr>
-          <p:cNvPr id="5" name="Text Placeholder 4">
-            <a:extLst>
-              <a:ext uri="{FF2B5EF4-FFF2-40B4-BE49-F238E27FC236}">
-                <a16:creationId xmlns:a16="http://schemas.microsoft.com/office/drawing/2014/main" id="{D2495B6E-82BD-463F-8EE5-0339DF74667C}"/>
-              </a:ext>
-            </a:extLst>
-          </p:cNvPr>
+            <a:endParaRPr lang="en-US" dirty="0"/>
+          </a:p>
+        </p:txBody>
+      </p:sp>
+      <p:sp>
+        <p:nvSpPr>
+          <p:cNvPr id="5" name="Text Placeholder 4"/>
           <p:cNvSpPr>
             <a:spLocks noGrp="1"/>
           </p:cNvSpPr>
@@ -1677,8 +1479,8 @@
         </p:nvSpPr>
         <p:spPr>
           <a:xfrm>
-            <a:off x="6172200" y="1681163"/>
-            <a:ext cx="5183188" cy="823912"/>
+            <a:off x="22219922" y="8069582"/>
+            <a:ext cx="18659477" cy="3954778"/>
           </a:xfrm>
         </p:spPr>
         <p:txBody>
@@ -1686,39 +1488,39 @@
           <a:lstStyle>
             <a:lvl1pPr marL="0" indent="0">
               <a:buNone/>
-              <a:defRPr sz="2400" b="1"/>
+              <a:defRPr sz="11520" b="1"/>
             </a:lvl1pPr>
-            <a:lvl2pPr marL="457200" indent="0">
-              <a:buNone/>
-              <a:defRPr sz="2000" b="1"/>
+            <a:lvl2pPr marL="2194560" indent="0">
+              <a:buNone/>
+              <a:defRPr sz="9600" b="1"/>
             </a:lvl2pPr>
-            <a:lvl3pPr marL="914400" indent="0">
-              <a:buNone/>
-              <a:defRPr sz="1800" b="1"/>
+            <a:lvl3pPr marL="4389120" indent="0">
+              <a:buNone/>
+              <a:defRPr sz="8640" b="1"/>
             </a:lvl3pPr>
-            <a:lvl4pPr marL="1371600" indent="0">
-              <a:buNone/>
-              <a:defRPr sz="1600" b="1"/>
+            <a:lvl4pPr marL="6583680" indent="0">
+              <a:buNone/>
+              <a:defRPr sz="7680" b="1"/>
             </a:lvl4pPr>
-            <a:lvl5pPr marL="1828800" indent="0">
-              <a:buNone/>
-              <a:defRPr sz="1600" b="1"/>
+            <a:lvl5pPr marL="8778240" indent="0">
+              <a:buNone/>
+              <a:defRPr sz="7680" b="1"/>
             </a:lvl5pPr>
-            <a:lvl6pPr marL="2286000" indent="0">
-              <a:buNone/>
-              <a:defRPr sz="1600" b="1"/>
+            <a:lvl6pPr marL="10972800" indent="0">
+              <a:buNone/>
+              <a:defRPr sz="7680" b="1"/>
             </a:lvl6pPr>
-            <a:lvl7pPr marL="2743200" indent="0">
-              <a:buNone/>
-              <a:defRPr sz="1600" b="1"/>
+            <a:lvl7pPr marL="13167360" indent="0">
+              <a:buNone/>
+              <a:defRPr sz="7680" b="1"/>
             </a:lvl7pPr>
-            <a:lvl8pPr marL="3200400" indent="0">
-              <a:buNone/>
-              <a:defRPr sz="1600" b="1"/>
+            <a:lvl8pPr marL="15361920" indent="0">
+              <a:buNone/>
+              <a:defRPr sz="7680" b="1"/>
             </a:lvl8pPr>
-            <a:lvl9pPr marL="3657600" indent="0">
-              <a:buNone/>
-              <a:defRPr sz="1600" b="1"/>
+            <a:lvl9pPr marL="17556480" indent="0">
+              <a:buNone/>
+              <a:defRPr sz="7680" b="1"/>
             </a:lvl9pPr>
           </a:lstStyle>
           <a:p>
@@ -1732,13 +1534,7 @@
       </p:sp>
       <p:sp>
         <p:nvSpPr>
-          <p:cNvPr id="6" name="Content Placeholder 5">
-            <a:extLst>
-              <a:ext uri="{FF2B5EF4-FFF2-40B4-BE49-F238E27FC236}">
-                <a16:creationId xmlns:a16="http://schemas.microsoft.com/office/drawing/2014/main" id="{CC7030B0-46B1-4902-A120-5BA48637B97B}"/>
-              </a:ext>
-            </a:extLst>
-          </p:cNvPr>
+          <p:cNvPr id="6" name="Content Placeholder 5"/>
           <p:cNvSpPr>
             <a:spLocks noGrp="1"/>
           </p:cNvSpPr>
@@ -1748,8 +1544,8 @@
         </p:nvSpPr>
         <p:spPr>
           <a:xfrm>
-            <a:off x="6172200" y="2505075"/>
-            <a:ext cx="5183188" cy="3684588"/>
+            <a:off x="22219922" y="12024360"/>
+            <a:ext cx="18659477" cy="17686022"/>
           </a:xfrm>
         </p:spPr>
         <p:txBody>
@@ -1789,18 +1585,13 @@
               <a:rPr lang="en-US"/>
               <a:t>Fifth level</a:t>
             </a:r>
-          </a:p>
-        </p:txBody>
-      </p:sp>
-      <p:sp>
-        <p:nvSpPr>
-          <p:cNvPr id="7" name="Date Placeholder 6">
-            <a:extLst>
-              <a:ext uri="{FF2B5EF4-FFF2-40B4-BE49-F238E27FC236}">
-                <a16:creationId xmlns:a16="http://schemas.microsoft.com/office/drawing/2014/main" id="{E389F48F-0CB9-4967-8D89-3F2C51DFD74C}"/>
-              </a:ext>
-            </a:extLst>
-          </p:cNvPr>
+            <a:endParaRPr lang="en-US" dirty="0"/>
+          </a:p>
+        </p:txBody>
+      </p:sp>
+      <p:sp>
+        <p:nvSpPr>
+          <p:cNvPr id="7" name="Date Placeholder 6"/>
           <p:cNvSpPr>
             <a:spLocks noGrp="1"/>
           </p:cNvSpPr>
@@ -1815,7 +1606,7 @@
           <a:p>
             <a:fld id="{62BE2B66-B343-4A6F-9896-6FFEB2086BBB}" type="datetimeFigureOut">
               <a:rPr lang="en-US" smtClean="0"/>
-              <a:t>6/26/2021</a:t>
+              <a:t>6/29/2021</a:t>
             </a:fld>
             <a:endParaRPr lang="en-US"/>
           </a:p>
@@ -1823,13 +1614,7 @@
       </p:sp>
       <p:sp>
         <p:nvSpPr>
-          <p:cNvPr id="8" name="Footer Placeholder 7">
-            <a:extLst>
-              <a:ext uri="{FF2B5EF4-FFF2-40B4-BE49-F238E27FC236}">
-                <a16:creationId xmlns:a16="http://schemas.microsoft.com/office/drawing/2014/main" id="{899EB24F-41C6-4562-A6C0-2A2459D138F0}"/>
-              </a:ext>
-            </a:extLst>
-          </p:cNvPr>
+          <p:cNvPr id="8" name="Footer Placeholder 7"/>
           <p:cNvSpPr>
             <a:spLocks noGrp="1"/>
           </p:cNvSpPr>
@@ -1848,13 +1633,7 @@
       </p:sp>
       <p:sp>
         <p:nvSpPr>
-          <p:cNvPr id="9" name="Slide Number Placeholder 8">
-            <a:extLst>
-              <a:ext uri="{FF2B5EF4-FFF2-40B4-BE49-F238E27FC236}">
-                <a16:creationId xmlns:a16="http://schemas.microsoft.com/office/drawing/2014/main" id="{46FC28EA-B318-44B3-BB6F-C0980CEB1DD8}"/>
-              </a:ext>
-            </a:extLst>
-          </p:cNvPr>
+          <p:cNvPr id="9" name="Slide Number Placeholder 8"/>
           <p:cNvSpPr>
             <a:spLocks noGrp="1"/>
           </p:cNvSpPr>
@@ -1878,7 +1657,7 @@
     </p:spTree>
     <p:extLst>
       <p:ext uri="{BB962C8B-B14F-4D97-AF65-F5344CB8AC3E}">
-        <p14:creationId xmlns:p14="http://schemas.microsoft.com/office/powerpoint/2010/main" val="2826293526"/>
+        <p14:creationId xmlns:p14="http://schemas.microsoft.com/office/powerpoint/2010/main" val="3426701716"/>
       </p:ext>
     </p:extLst>
   </p:cSld>
@@ -1907,13 +1686,7 @@
       </p:grpSpPr>
       <p:sp>
         <p:nvSpPr>
-          <p:cNvPr id="2" name="Title 1">
-            <a:extLst>
-              <a:ext uri="{FF2B5EF4-FFF2-40B4-BE49-F238E27FC236}">
-                <a16:creationId xmlns:a16="http://schemas.microsoft.com/office/drawing/2014/main" id="{9BC26B4C-398D-43F9-8BCE-CBCD11EC5D0E}"/>
-              </a:ext>
-            </a:extLst>
-          </p:cNvPr>
+          <p:cNvPr id="2" name="Title 1"/>
           <p:cNvSpPr>
             <a:spLocks noGrp="1"/>
           </p:cNvSpPr>
@@ -1930,18 +1703,13 @@
               <a:rPr lang="en-US"/>
               <a:t>Click to edit Master title style</a:t>
             </a:r>
-          </a:p>
-        </p:txBody>
-      </p:sp>
-      <p:sp>
-        <p:nvSpPr>
-          <p:cNvPr id="3" name="Date Placeholder 2">
-            <a:extLst>
-              <a:ext uri="{FF2B5EF4-FFF2-40B4-BE49-F238E27FC236}">
-                <a16:creationId xmlns:a16="http://schemas.microsoft.com/office/drawing/2014/main" id="{75FBBA02-01F8-419F-93FC-588CA92766AB}"/>
-              </a:ext>
-            </a:extLst>
-          </p:cNvPr>
+            <a:endParaRPr lang="en-US" dirty="0"/>
+          </a:p>
+        </p:txBody>
+      </p:sp>
+      <p:sp>
+        <p:nvSpPr>
+          <p:cNvPr id="3" name="Date Placeholder 2"/>
           <p:cNvSpPr>
             <a:spLocks noGrp="1"/>
           </p:cNvSpPr>
@@ -1956,7 +1724,7 @@
           <a:p>
             <a:fld id="{62BE2B66-B343-4A6F-9896-6FFEB2086BBB}" type="datetimeFigureOut">
               <a:rPr lang="en-US" smtClean="0"/>
-              <a:t>6/26/2021</a:t>
+              <a:t>6/29/2021</a:t>
             </a:fld>
             <a:endParaRPr lang="en-US"/>
           </a:p>
@@ -1964,13 +1732,7 @@
       </p:sp>
       <p:sp>
         <p:nvSpPr>
-          <p:cNvPr id="4" name="Footer Placeholder 3">
-            <a:extLst>
-              <a:ext uri="{FF2B5EF4-FFF2-40B4-BE49-F238E27FC236}">
-                <a16:creationId xmlns:a16="http://schemas.microsoft.com/office/drawing/2014/main" id="{5CCAF87A-F059-4BA9-B881-2382DEDC4D38}"/>
-              </a:ext>
-            </a:extLst>
-          </p:cNvPr>
+          <p:cNvPr id="4" name="Footer Placeholder 3"/>
           <p:cNvSpPr>
             <a:spLocks noGrp="1"/>
           </p:cNvSpPr>
@@ -1989,13 +1751,7 @@
       </p:sp>
       <p:sp>
         <p:nvSpPr>
-          <p:cNvPr id="5" name="Slide Number Placeholder 4">
-            <a:extLst>
-              <a:ext uri="{FF2B5EF4-FFF2-40B4-BE49-F238E27FC236}">
-                <a16:creationId xmlns:a16="http://schemas.microsoft.com/office/drawing/2014/main" id="{BA4895EF-71FB-441B-AD04-ECFA7292D126}"/>
-              </a:ext>
-            </a:extLst>
-          </p:cNvPr>
+          <p:cNvPr id="5" name="Slide Number Placeholder 4"/>
           <p:cNvSpPr>
             <a:spLocks noGrp="1"/>
           </p:cNvSpPr>
@@ -2019,7 +1775,7 @@
     </p:spTree>
     <p:extLst>
       <p:ext uri="{BB962C8B-B14F-4D97-AF65-F5344CB8AC3E}">
-        <p14:creationId xmlns:p14="http://schemas.microsoft.com/office/powerpoint/2010/main" val="2545409501"/>
+        <p14:creationId xmlns:p14="http://schemas.microsoft.com/office/powerpoint/2010/main" val="3546863525"/>
       </p:ext>
     </p:extLst>
   </p:cSld>
@@ -2048,13 +1804,7 @@
       </p:grpSpPr>
       <p:sp>
         <p:nvSpPr>
-          <p:cNvPr id="2" name="Date Placeholder 1">
-            <a:extLst>
-              <a:ext uri="{FF2B5EF4-FFF2-40B4-BE49-F238E27FC236}">
-                <a16:creationId xmlns:a16="http://schemas.microsoft.com/office/drawing/2014/main" id="{9A4A5B72-1726-4A16-B76F-9D199E8B1203}"/>
-              </a:ext>
-            </a:extLst>
-          </p:cNvPr>
+          <p:cNvPr id="2" name="Date Placeholder 1"/>
           <p:cNvSpPr>
             <a:spLocks noGrp="1"/>
           </p:cNvSpPr>
@@ -2069,7 +1819,7 @@
           <a:p>
             <a:fld id="{62BE2B66-B343-4A6F-9896-6FFEB2086BBB}" type="datetimeFigureOut">
               <a:rPr lang="en-US" smtClean="0"/>
-              <a:t>6/26/2021</a:t>
+              <a:t>6/29/2021</a:t>
             </a:fld>
             <a:endParaRPr lang="en-US"/>
           </a:p>
@@ -2077,13 +1827,7 @@
       </p:sp>
       <p:sp>
         <p:nvSpPr>
-          <p:cNvPr id="3" name="Footer Placeholder 2">
-            <a:extLst>
-              <a:ext uri="{FF2B5EF4-FFF2-40B4-BE49-F238E27FC236}">
-                <a16:creationId xmlns:a16="http://schemas.microsoft.com/office/drawing/2014/main" id="{7C517223-9125-4324-BA66-E024228CD55F}"/>
-              </a:ext>
-            </a:extLst>
-          </p:cNvPr>
+          <p:cNvPr id="3" name="Footer Placeholder 2"/>
           <p:cNvSpPr>
             <a:spLocks noGrp="1"/>
           </p:cNvSpPr>
@@ -2102,13 +1846,7 @@
       </p:sp>
       <p:sp>
         <p:nvSpPr>
-          <p:cNvPr id="4" name="Slide Number Placeholder 3">
-            <a:extLst>
-              <a:ext uri="{FF2B5EF4-FFF2-40B4-BE49-F238E27FC236}">
-                <a16:creationId xmlns:a16="http://schemas.microsoft.com/office/drawing/2014/main" id="{88288559-FC73-428E-B4AF-25BD5CBF5212}"/>
-              </a:ext>
-            </a:extLst>
-          </p:cNvPr>
+          <p:cNvPr id="4" name="Slide Number Placeholder 3"/>
           <p:cNvSpPr>
             <a:spLocks noGrp="1"/>
           </p:cNvSpPr>
@@ -2132,7 +1870,7 @@
     </p:spTree>
     <p:extLst>
       <p:ext uri="{BB962C8B-B14F-4D97-AF65-F5344CB8AC3E}">
-        <p14:creationId xmlns:p14="http://schemas.microsoft.com/office/powerpoint/2010/main" val="846335337"/>
+        <p14:creationId xmlns:p14="http://schemas.microsoft.com/office/powerpoint/2010/main" val="391416296"/>
       </p:ext>
     </p:extLst>
   </p:cSld>
@@ -2161,13 +1899,7 @@
       </p:grpSpPr>
       <p:sp>
         <p:nvSpPr>
-          <p:cNvPr id="2" name="Title 1">
-            <a:extLst>
-              <a:ext uri="{FF2B5EF4-FFF2-40B4-BE49-F238E27FC236}">
-                <a16:creationId xmlns:a16="http://schemas.microsoft.com/office/drawing/2014/main" id="{1C98A1AC-39A1-4D9A-A65A-B1CC87B99760}"/>
-              </a:ext>
-            </a:extLst>
-          </p:cNvPr>
+          <p:cNvPr id="2" name="Title 1"/>
           <p:cNvSpPr>
             <a:spLocks noGrp="1"/>
           </p:cNvSpPr>
@@ -2177,15 +1909,15 @@
         </p:nvSpPr>
         <p:spPr>
           <a:xfrm>
-            <a:off x="839788" y="457200"/>
-            <a:ext cx="3932237" cy="1600200"/>
+            <a:off x="3023237" y="2194560"/>
+            <a:ext cx="14156054" cy="7680960"/>
           </a:xfrm>
         </p:spPr>
         <p:txBody>
           <a:bodyPr anchor="b"/>
           <a:lstStyle>
             <a:lvl1pPr>
-              <a:defRPr sz="3200"/>
+              <a:defRPr sz="15360"/>
             </a:lvl1pPr>
           </a:lstStyle>
           <a:p>
@@ -2193,18 +1925,13 @@
               <a:rPr lang="en-US"/>
               <a:t>Click to edit Master title style</a:t>
             </a:r>
-          </a:p>
-        </p:txBody>
-      </p:sp>
-      <p:sp>
-        <p:nvSpPr>
-          <p:cNvPr id="3" name="Content Placeholder 2">
-            <a:extLst>
-              <a:ext uri="{FF2B5EF4-FFF2-40B4-BE49-F238E27FC236}">
-                <a16:creationId xmlns:a16="http://schemas.microsoft.com/office/drawing/2014/main" id="{2D908E46-4E42-4B30-9854-A17F5A076C27}"/>
-              </a:ext>
-            </a:extLst>
-          </p:cNvPr>
+            <a:endParaRPr lang="en-US" dirty="0"/>
+          </a:p>
+        </p:txBody>
+      </p:sp>
+      <p:sp>
+        <p:nvSpPr>
+          <p:cNvPr id="3" name="Content Placeholder 2"/>
           <p:cNvSpPr>
             <a:spLocks noGrp="1"/>
           </p:cNvSpPr>
@@ -2214,39 +1941,39 @@
         </p:nvSpPr>
         <p:spPr>
           <a:xfrm>
-            <a:off x="5183188" y="987425"/>
-            <a:ext cx="6172200" cy="4873625"/>
+            <a:off x="18659477" y="4739647"/>
+            <a:ext cx="22219920" cy="23393400"/>
           </a:xfrm>
         </p:spPr>
         <p:txBody>
           <a:bodyPr/>
           <a:lstStyle>
             <a:lvl1pPr>
-              <a:defRPr sz="3200"/>
+              <a:defRPr sz="15360"/>
             </a:lvl1pPr>
             <a:lvl2pPr>
-              <a:defRPr sz="2800"/>
+              <a:defRPr sz="13440"/>
             </a:lvl2pPr>
             <a:lvl3pPr>
-              <a:defRPr sz="2400"/>
+              <a:defRPr sz="11520"/>
             </a:lvl3pPr>
             <a:lvl4pPr>
-              <a:defRPr sz="2000"/>
+              <a:defRPr sz="9600"/>
             </a:lvl4pPr>
             <a:lvl5pPr>
-              <a:defRPr sz="2000"/>
+              <a:defRPr sz="9600"/>
             </a:lvl5pPr>
             <a:lvl6pPr>
-              <a:defRPr sz="2000"/>
+              <a:defRPr sz="9600"/>
             </a:lvl6pPr>
             <a:lvl7pPr>
-              <a:defRPr sz="2000"/>
+              <a:defRPr sz="9600"/>
             </a:lvl7pPr>
             <a:lvl8pPr>
-              <a:defRPr sz="2000"/>
+              <a:defRPr sz="9600"/>
             </a:lvl8pPr>
             <a:lvl9pPr>
-              <a:defRPr sz="2000"/>
+              <a:defRPr sz="9600"/>
             </a:lvl9pPr>
           </a:lstStyle>
           <a:p>
@@ -2283,18 +2010,13 @@
               <a:rPr lang="en-US"/>
               <a:t>Fifth level</a:t>
             </a:r>
-          </a:p>
-        </p:txBody>
-      </p:sp>
-      <p:sp>
-        <p:nvSpPr>
-          <p:cNvPr id="4" name="Text Placeholder 3">
-            <a:extLst>
-              <a:ext uri="{FF2B5EF4-FFF2-40B4-BE49-F238E27FC236}">
-                <a16:creationId xmlns:a16="http://schemas.microsoft.com/office/drawing/2014/main" id="{ABEED73B-BFC9-442B-9D1D-98F4AFFDA45A}"/>
-              </a:ext>
-            </a:extLst>
-          </p:cNvPr>
+            <a:endParaRPr lang="en-US" dirty="0"/>
+          </a:p>
+        </p:txBody>
+      </p:sp>
+      <p:sp>
+        <p:nvSpPr>
+          <p:cNvPr id="4" name="Text Placeholder 3"/>
           <p:cNvSpPr>
             <a:spLocks noGrp="1"/>
           </p:cNvSpPr>
@@ -2304,8 +2026,8 @@
         </p:nvSpPr>
         <p:spPr>
           <a:xfrm>
-            <a:off x="839788" y="2057400"/>
-            <a:ext cx="3932237" cy="3811588"/>
+            <a:off x="3023237" y="9875520"/>
+            <a:ext cx="14156054" cy="18295622"/>
           </a:xfrm>
         </p:spPr>
         <p:txBody>
@@ -2313,39 +2035,39 @@
           <a:lstStyle>
             <a:lvl1pPr marL="0" indent="0">
               <a:buNone/>
-              <a:defRPr sz="1600"/>
+              <a:defRPr sz="7680"/>
             </a:lvl1pPr>
-            <a:lvl2pPr marL="457200" indent="0">
-              <a:buNone/>
-              <a:defRPr sz="1400"/>
+            <a:lvl2pPr marL="2194560" indent="0">
+              <a:buNone/>
+              <a:defRPr sz="6720"/>
             </a:lvl2pPr>
-            <a:lvl3pPr marL="914400" indent="0">
-              <a:buNone/>
-              <a:defRPr sz="1200"/>
+            <a:lvl3pPr marL="4389120" indent="0">
+              <a:buNone/>
+              <a:defRPr sz="5760"/>
             </a:lvl3pPr>
-            <a:lvl4pPr marL="1371600" indent="0">
-              <a:buNone/>
-              <a:defRPr sz="1000"/>
+            <a:lvl4pPr marL="6583680" indent="0">
+              <a:buNone/>
+              <a:defRPr sz="4800"/>
             </a:lvl4pPr>
-            <a:lvl5pPr marL="1828800" indent="0">
-              <a:buNone/>
-              <a:defRPr sz="1000"/>
+            <a:lvl5pPr marL="8778240" indent="0">
+              <a:buNone/>
+              <a:defRPr sz="4800"/>
             </a:lvl5pPr>
-            <a:lvl6pPr marL="2286000" indent="0">
-              <a:buNone/>
-              <a:defRPr sz="1000"/>
+            <a:lvl6pPr marL="10972800" indent="0">
+              <a:buNone/>
+              <a:defRPr sz="4800"/>
             </a:lvl6pPr>
-            <a:lvl7pPr marL="2743200" indent="0">
-              <a:buNone/>
-              <a:defRPr sz="1000"/>
+            <a:lvl7pPr marL="13167360" indent="0">
+              <a:buNone/>
+              <a:defRPr sz="4800"/>
             </a:lvl7pPr>
-            <a:lvl8pPr marL="3200400" indent="0">
-              <a:buNone/>
-              <a:defRPr sz="1000"/>
+            <a:lvl8pPr marL="15361920" indent="0">
+              <a:buNone/>
+              <a:defRPr sz="4800"/>
             </a:lvl8pPr>
-            <a:lvl9pPr marL="3657600" indent="0">
-              <a:buNone/>
-              <a:defRPr sz="1000"/>
+            <a:lvl9pPr marL="17556480" indent="0">
+              <a:buNone/>
+              <a:defRPr sz="4800"/>
             </a:lvl9pPr>
           </a:lstStyle>
           <a:p>
@@ -2359,13 +2081,7 @@
       </p:sp>
       <p:sp>
         <p:nvSpPr>
-          <p:cNvPr id="5" name="Date Placeholder 4">
-            <a:extLst>
-              <a:ext uri="{FF2B5EF4-FFF2-40B4-BE49-F238E27FC236}">
-                <a16:creationId xmlns:a16="http://schemas.microsoft.com/office/drawing/2014/main" id="{591F24DF-5C34-47D8-A353-789F58CA32A4}"/>
-              </a:ext>
-            </a:extLst>
-          </p:cNvPr>
+          <p:cNvPr id="5" name="Date Placeholder 4"/>
           <p:cNvSpPr>
             <a:spLocks noGrp="1"/>
           </p:cNvSpPr>
@@ -2380,7 +2096,7 @@
           <a:p>
             <a:fld id="{62BE2B66-B343-4A6F-9896-6FFEB2086BBB}" type="datetimeFigureOut">
               <a:rPr lang="en-US" smtClean="0"/>
-              <a:t>6/26/2021</a:t>
+              <a:t>6/29/2021</a:t>
             </a:fld>
             <a:endParaRPr lang="en-US"/>
           </a:p>
@@ -2388,13 +2104,7 @@
       </p:sp>
       <p:sp>
         <p:nvSpPr>
-          <p:cNvPr id="6" name="Footer Placeholder 5">
-            <a:extLst>
-              <a:ext uri="{FF2B5EF4-FFF2-40B4-BE49-F238E27FC236}">
-                <a16:creationId xmlns:a16="http://schemas.microsoft.com/office/drawing/2014/main" id="{5100C08F-8AFB-466D-891C-E2F991F34E74}"/>
-              </a:ext>
-            </a:extLst>
-          </p:cNvPr>
+          <p:cNvPr id="6" name="Footer Placeholder 5"/>
           <p:cNvSpPr>
             <a:spLocks noGrp="1"/>
           </p:cNvSpPr>
@@ -2413,13 +2123,7 @@
       </p:sp>
       <p:sp>
         <p:nvSpPr>
-          <p:cNvPr id="7" name="Slide Number Placeholder 6">
-            <a:extLst>
-              <a:ext uri="{FF2B5EF4-FFF2-40B4-BE49-F238E27FC236}">
-                <a16:creationId xmlns:a16="http://schemas.microsoft.com/office/drawing/2014/main" id="{7E344EFB-BC7E-43A3-9D80-9787ADA544BC}"/>
-              </a:ext>
-            </a:extLst>
-          </p:cNvPr>
+          <p:cNvPr id="7" name="Slide Number Placeholder 6"/>
           <p:cNvSpPr>
             <a:spLocks noGrp="1"/>
           </p:cNvSpPr>
@@ -2443,7 +2147,7 @@
     </p:spTree>
     <p:extLst>
       <p:ext uri="{BB962C8B-B14F-4D97-AF65-F5344CB8AC3E}">
-        <p14:creationId xmlns:p14="http://schemas.microsoft.com/office/powerpoint/2010/main" val="2602664354"/>
+        <p14:creationId xmlns:p14="http://schemas.microsoft.com/office/powerpoint/2010/main" val="3518242150"/>
       </p:ext>
     </p:extLst>
   </p:cSld>
@@ -2472,13 +2176,7 @@
       </p:grpSpPr>
       <p:sp>
         <p:nvSpPr>
-          <p:cNvPr id="2" name="Title 1">
-            <a:extLst>
-              <a:ext uri="{FF2B5EF4-FFF2-40B4-BE49-F238E27FC236}">
-                <a16:creationId xmlns:a16="http://schemas.microsoft.com/office/drawing/2014/main" id="{FC6A4FD9-AFC2-47F8-8874-8232AAB79EE1}"/>
-              </a:ext>
-            </a:extLst>
-          </p:cNvPr>
+          <p:cNvPr id="2" name="Title 1"/>
           <p:cNvSpPr>
             <a:spLocks noGrp="1"/>
           </p:cNvSpPr>
@@ -2488,15 +2186,15 @@
         </p:nvSpPr>
         <p:spPr>
           <a:xfrm>
-            <a:off x="839788" y="457200"/>
-            <a:ext cx="3932237" cy="1600200"/>
+            <a:off x="3023237" y="2194560"/>
+            <a:ext cx="14156054" cy="7680960"/>
           </a:xfrm>
         </p:spPr>
         <p:txBody>
           <a:bodyPr anchor="b"/>
           <a:lstStyle>
             <a:lvl1pPr>
-              <a:defRPr sz="3200"/>
+              <a:defRPr sz="15360"/>
             </a:lvl1pPr>
           </a:lstStyle>
           <a:p>
@@ -2504,20 +2202,15 @@
               <a:rPr lang="en-US"/>
               <a:t>Click to edit Master title style</a:t>
             </a:r>
-          </a:p>
-        </p:txBody>
-      </p:sp>
-      <p:sp>
-        <p:nvSpPr>
-          <p:cNvPr id="3" name="Picture Placeholder 2">
-            <a:extLst>
-              <a:ext uri="{FF2B5EF4-FFF2-40B4-BE49-F238E27FC236}">
-                <a16:creationId xmlns:a16="http://schemas.microsoft.com/office/drawing/2014/main" id="{F500C3DA-6162-4D5A-9E32-152B6BC60383}"/>
-              </a:ext>
-            </a:extLst>
-          </p:cNvPr>
-          <p:cNvSpPr>
-            <a:spLocks noGrp="1"/>
+            <a:endParaRPr lang="en-US" dirty="0"/>
+          </a:p>
+        </p:txBody>
+      </p:sp>
+      <p:sp>
+        <p:nvSpPr>
+          <p:cNvPr id="3" name="Picture Placeholder 2"/>
+          <p:cNvSpPr>
+            <a:spLocks noGrp="1" noChangeAspect="1"/>
           </p:cNvSpPr>
           <p:nvPr>
             <p:ph type="pic" idx="1"/>
@@ -2525,64 +2218,62 @@
         </p:nvSpPr>
         <p:spPr>
           <a:xfrm>
-            <a:off x="5183188" y="987425"/>
-            <a:ext cx="6172200" cy="4873625"/>
+            <a:off x="18659477" y="4739647"/>
+            <a:ext cx="22219920" cy="23393400"/>
           </a:xfrm>
         </p:spPr>
         <p:txBody>
-          <a:bodyPr/>
+          <a:bodyPr anchor="t"/>
           <a:lstStyle>
             <a:lvl1pPr marL="0" indent="0">
               <a:buNone/>
-              <a:defRPr sz="3200"/>
+              <a:defRPr sz="15360"/>
             </a:lvl1pPr>
-            <a:lvl2pPr marL="457200" indent="0">
-              <a:buNone/>
-              <a:defRPr sz="2800"/>
+            <a:lvl2pPr marL="2194560" indent="0">
+              <a:buNone/>
+              <a:defRPr sz="13440"/>
             </a:lvl2pPr>
-            <a:lvl3pPr marL="914400" indent="0">
-              <a:buNone/>
-              <a:defRPr sz="2400"/>
+            <a:lvl3pPr marL="4389120" indent="0">
+              <a:buNone/>
+              <a:defRPr sz="11520"/>
             </a:lvl3pPr>
-            <a:lvl4pPr marL="1371600" indent="0">
-              <a:buNone/>
-              <a:defRPr sz="2000"/>
+            <a:lvl4pPr marL="6583680" indent="0">
+              <a:buNone/>
+              <a:defRPr sz="9600"/>
             </a:lvl4pPr>
-            <a:lvl5pPr marL="1828800" indent="0">
-              <a:buNone/>
-              <a:defRPr sz="2000"/>
+            <a:lvl5pPr marL="8778240" indent="0">
+              <a:buNone/>
+              <a:defRPr sz="9600"/>
             </a:lvl5pPr>
-            <a:lvl6pPr marL="2286000" indent="0">
-              <a:buNone/>
-              <a:defRPr sz="2000"/>
+            <a:lvl6pPr marL="10972800" indent="0">
+              <a:buNone/>
+              <a:defRPr sz="9600"/>
             </a:lvl6pPr>
-            <a:lvl7pPr marL="2743200" indent="0">
-              <a:buNone/>
-              <a:defRPr sz="2000"/>
+            <a:lvl7pPr marL="13167360" indent="0">
+              <a:buNone/>
+              <a:defRPr sz="9600"/>
             </a:lvl7pPr>
-            <a:lvl8pPr marL="3200400" indent="0">
-              <a:buNone/>
-              <a:defRPr sz="2000"/>
+            <a:lvl8pPr marL="15361920" indent="0">
+              <a:buNone/>
+              <a:defRPr sz="9600"/>
             </a:lvl8pPr>
-            <a:lvl9pPr marL="3657600" indent="0">
-              <a:buNone/>
-              <a:defRPr sz="2000"/>
+            <a:lvl9pPr marL="17556480" indent="0">
+              <a:buNone/>
+              <a:defRPr sz="9600"/>
             </a:lvl9pPr>
           </a:lstStyle>
           <a:p>
-            <a:endParaRPr lang="en-US"/>
-          </a:p>
-        </p:txBody>
-      </p:sp>
-      <p:sp>
-        <p:nvSpPr>
-          <p:cNvPr id="4" name="Text Placeholder 3">
-            <a:extLst>
-              <a:ext uri="{FF2B5EF4-FFF2-40B4-BE49-F238E27FC236}">
-                <a16:creationId xmlns:a16="http://schemas.microsoft.com/office/drawing/2014/main" id="{A9824E56-A0D5-4BE9-8B8B-E35070511A36}"/>
-              </a:ext>
-            </a:extLst>
-          </p:cNvPr>
+            <a:r>
+              <a:rPr lang="en-US"/>
+              <a:t>Click icon to add picture</a:t>
+            </a:r>
+            <a:endParaRPr lang="en-US" dirty="0"/>
+          </a:p>
+        </p:txBody>
+      </p:sp>
+      <p:sp>
+        <p:nvSpPr>
+          <p:cNvPr id="4" name="Text Placeholder 3"/>
           <p:cNvSpPr>
             <a:spLocks noGrp="1"/>
           </p:cNvSpPr>
@@ -2592,8 +2283,8 @@
         </p:nvSpPr>
         <p:spPr>
           <a:xfrm>
-            <a:off x="839788" y="2057400"/>
-            <a:ext cx="3932237" cy="3811588"/>
+            <a:off x="3023237" y="9875520"/>
+            <a:ext cx="14156054" cy="18295622"/>
           </a:xfrm>
         </p:spPr>
         <p:txBody>
@@ -2601,39 +2292,39 @@
           <a:lstStyle>
             <a:lvl1pPr marL="0" indent="0">
               <a:buNone/>
-              <a:defRPr sz="1600"/>
+              <a:defRPr sz="7680"/>
             </a:lvl1pPr>
-            <a:lvl2pPr marL="457200" indent="0">
-              <a:buNone/>
-              <a:defRPr sz="1400"/>
+            <a:lvl2pPr marL="2194560" indent="0">
+              <a:buNone/>
+              <a:defRPr sz="6720"/>
             </a:lvl2pPr>
-            <a:lvl3pPr marL="914400" indent="0">
-              <a:buNone/>
-              <a:defRPr sz="1200"/>
+            <a:lvl3pPr marL="4389120" indent="0">
+              <a:buNone/>
+              <a:defRPr sz="5760"/>
             </a:lvl3pPr>
-            <a:lvl4pPr marL="1371600" indent="0">
-              <a:buNone/>
-              <a:defRPr sz="1000"/>
+            <a:lvl4pPr marL="6583680" indent="0">
+              <a:buNone/>
+              <a:defRPr sz="4800"/>
             </a:lvl4pPr>
-            <a:lvl5pPr marL="1828800" indent="0">
-              <a:buNone/>
-              <a:defRPr sz="1000"/>
+            <a:lvl5pPr marL="8778240" indent="0">
+              <a:buNone/>
+              <a:defRPr sz="4800"/>
             </a:lvl5pPr>
-            <a:lvl6pPr marL="2286000" indent="0">
-              <a:buNone/>
-              <a:defRPr sz="1000"/>
+            <a:lvl6pPr marL="10972800" indent="0">
+              <a:buNone/>
+              <a:defRPr sz="4800"/>
             </a:lvl6pPr>
-            <a:lvl7pPr marL="2743200" indent="0">
-              <a:buNone/>
-              <a:defRPr sz="1000"/>
+            <a:lvl7pPr marL="13167360" indent="0">
+              <a:buNone/>
+              <a:defRPr sz="4800"/>
             </a:lvl7pPr>
-            <a:lvl8pPr marL="3200400" indent="0">
-              <a:buNone/>
-              <a:defRPr sz="1000"/>
+            <a:lvl8pPr marL="15361920" indent="0">
+              <a:buNone/>
+              <a:defRPr sz="4800"/>
             </a:lvl8pPr>
-            <a:lvl9pPr marL="3657600" indent="0">
-              <a:buNone/>
-              <a:defRPr sz="1000"/>
+            <a:lvl9pPr marL="17556480" indent="0">
+              <a:buNone/>
+              <a:defRPr sz="4800"/>
             </a:lvl9pPr>
           </a:lstStyle>
           <a:p>
@@ -2647,13 +2338,7 @@
       </p:sp>
       <p:sp>
         <p:nvSpPr>
-          <p:cNvPr id="5" name="Date Placeholder 4">
-            <a:extLst>
-              <a:ext uri="{FF2B5EF4-FFF2-40B4-BE49-F238E27FC236}">
-                <a16:creationId xmlns:a16="http://schemas.microsoft.com/office/drawing/2014/main" id="{FEC1D8D0-866E-4556-9630-C33C22A610FD}"/>
-              </a:ext>
-            </a:extLst>
-          </p:cNvPr>
+          <p:cNvPr id="5" name="Date Placeholder 4"/>
           <p:cNvSpPr>
             <a:spLocks noGrp="1"/>
           </p:cNvSpPr>
@@ -2668,7 +2353,7 @@
           <a:p>
             <a:fld id="{62BE2B66-B343-4A6F-9896-6FFEB2086BBB}" type="datetimeFigureOut">
               <a:rPr lang="en-US" smtClean="0"/>
-              <a:t>6/26/2021</a:t>
+              <a:t>6/29/2021</a:t>
             </a:fld>
             <a:endParaRPr lang="en-US"/>
           </a:p>
@@ -2676,13 +2361,7 @@
       </p:sp>
       <p:sp>
         <p:nvSpPr>
-          <p:cNvPr id="6" name="Footer Placeholder 5">
-            <a:extLst>
-              <a:ext uri="{FF2B5EF4-FFF2-40B4-BE49-F238E27FC236}">
-                <a16:creationId xmlns:a16="http://schemas.microsoft.com/office/drawing/2014/main" id="{985471B2-B56D-4F1B-BFD0-8FE32BDDC933}"/>
-              </a:ext>
-            </a:extLst>
-          </p:cNvPr>
+          <p:cNvPr id="6" name="Footer Placeholder 5"/>
           <p:cNvSpPr>
             <a:spLocks noGrp="1"/>
           </p:cNvSpPr>
@@ -2701,13 +2380,7 @@
       </p:sp>
       <p:sp>
         <p:nvSpPr>
-          <p:cNvPr id="7" name="Slide Number Placeholder 6">
-            <a:extLst>
-              <a:ext uri="{FF2B5EF4-FFF2-40B4-BE49-F238E27FC236}">
-                <a16:creationId xmlns:a16="http://schemas.microsoft.com/office/drawing/2014/main" id="{2A530D8C-A5FA-4795-9E8E-E5E792D1A199}"/>
-              </a:ext>
-            </a:extLst>
-          </p:cNvPr>
+          <p:cNvPr id="7" name="Slide Number Placeholder 6"/>
           <p:cNvSpPr>
             <a:spLocks noGrp="1"/>
           </p:cNvSpPr>
@@ -2731,7 +2404,7 @@
     </p:spTree>
     <p:extLst>
       <p:ext uri="{BB962C8B-B14F-4D97-AF65-F5344CB8AC3E}">
-        <p14:creationId xmlns:p14="http://schemas.microsoft.com/office/powerpoint/2010/main" val="336447338"/>
+        <p14:creationId xmlns:p14="http://schemas.microsoft.com/office/powerpoint/2010/main" val="2980898387"/>
       </p:ext>
     </p:extLst>
   </p:cSld>
@@ -2765,13 +2438,7 @@
       </p:grpSpPr>
       <p:sp>
         <p:nvSpPr>
-          <p:cNvPr id="2" name="Title Placeholder 1">
-            <a:extLst>
-              <a:ext uri="{FF2B5EF4-FFF2-40B4-BE49-F238E27FC236}">
-                <a16:creationId xmlns:a16="http://schemas.microsoft.com/office/drawing/2014/main" id="{B5293E71-87C4-4367-A37F-A6F85C7C1D6B}"/>
-              </a:ext>
-            </a:extLst>
-          </p:cNvPr>
+          <p:cNvPr id="2" name="Title Placeholder 1"/>
           <p:cNvSpPr>
             <a:spLocks noGrp="1"/>
           </p:cNvSpPr>
@@ -2781,8 +2448,8 @@
         </p:nvSpPr>
         <p:spPr>
           <a:xfrm>
-            <a:off x="838200" y="365125"/>
-            <a:ext cx="10515600" cy="1325563"/>
+            <a:off x="3017520" y="1752607"/>
+            <a:ext cx="37856160" cy="6362702"/>
           </a:xfrm>
           <a:prstGeom prst="rect">
             <a:avLst/>
@@ -2798,18 +2465,13 @@
               <a:rPr lang="en-US"/>
               <a:t>Click to edit Master title style</a:t>
             </a:r>
-          </a:p>
-        </p:txBody>
-      </p:sp>
-      <p:sp>
-        <p:nvSpPr>
-          <p:cNvPr id="3" name="Text Placeholder 2">
-            <a:extLst>
-              <a:ext uri="{FF2B5EF4-FFF2-40B4-BE49-F238E27FC236}">
-                <a16:creationId xmlns:a16="http://schemas.microsoft.com/office/drawing/2014/main" id="{C65A936D-1D67-4BD4-935B-51DEFA4F82A1}"/>
-              </a:ext>
-            </a:extLst>
-          </p:cNvPr>
+            <a:endParaRPr lang="en-US" dirty="0"/>
+          </a:p>
+        </p:txBody>
+      </p:sp>
+      <p:sp>
+        <p:nvSpPr>
+          <p:cNvPr id="3" name="Text Placeholder 2"/>
           <p:cNvSpPr>
             <a:spLocks noGrp="1"/>
           </p:cNvSpPr>
@@ -2819,8 +2481,8 @@
         </p:nvSpPr>
         <p:spPr>
           <a:xfrm>
-            <a:off x="838200" y="1825625"/>
-            <a:ext cx="10515600" cy="4351338"/>
+            <a:off x="3017520" y="8763000"/>
+            <a:ext cx="37856160" cy="20886422"/>
           </a:xfrm>
           <a:prstGeom prst="rect">
             <a:avLst/>
@@ -2865,18 +2527,13 @@
               <a:rPr lang="en-US"/>
               <a:t>Fifth level</a:t>
             </a:r>
-          </a:p>
-        </p:txBody>
-      </p:sp>
-      <p:sp>
-        <p:nvSpPr>
-          <p:cNvPr id="4" name="Date Placeholder 3">
-            <a:extLst>
-              <a:ext uri="{FF2B5EF4-FFF2-40B4-BE49-F238E27FC236}">
-                <a16:creationId xmlns:a16="http://schemas.microsoft.com/office/drawing/2014/main" id="{580963C9-7B47-43D0-99EE-95DD0E59A5BF}"/>
-              </a:ext>
-            </a:extLst>
-          </p:cNvPr>
+            <a:endParaRPr lang="en-US" dirty="0"/>
+          </a:p>
+        </p:txBody>
+      </p:sp>
+      <p:sp>
+        <p:nvSpPr>
+          <p:cNvPr id="4" name="Date Placeholder 3"/>
           <p:cNvSpPr>
             <a:spLocks noGrp="1"/>
           </p:cNvSpPr>
@@ -2886,8 +2543,8 @@
         </p:nvSpPr>
         <p:spPr>
           <a:xfrm>
-            <a:off x="838200" y="6356350"/>
-            <a:ext cx="2743200" cy="365125"/>
+            <a:off x="3017520" y="30510487"/>
+            <a:ext cx="9875520" cy="1752600"/>
           </a:xfrm>
           <a:prstGeom prst="rect">
             <a:avLst/>
@@ -2897,7 +2554,7 @@
           <a:bodyPr vert="horz" lIns="91440" tIns="45720" rIns="91440" bIns="45720" rtlCol="0" anchor="ctr"/>
           <a:lstStyle>
             <a:lvl1pPr algn="l">
-              <a:defRPr sz="1200">
+              <a:defRPr sz="5760">
                 <a:solidFill>
                   <a:schemeClr val="tx1">
                     <a:tint val="75000"/>
@@ -2909,7 +2566,7 @@
           <a:p>
             <a:fld id="{62BE2B66-B343-4A6F-9896-6FFEB2086BBB}" type="datetimeFigureOut">
               <a:rPr lang="en-US" smtClean="0"/>
-              <a:t>6/26/2021</a:t>
+              <a:t>6/29/2021</a:t>
             </a:fld>
             <a:endParaRPr lang="en-US"/>
           </a:p>
@@ -2917,13 +2574,7 @@
       </p:sp>
       <p:sp>
         <p:nvSpPr>
-          <p:cNvPr id="5" name="Footer Placeholder 4">
-            <a:extLst>
-              <a:ext uri="{FF2B5EF4-FFF2-40B4-BE49-F238E27FC236}">
-                <a16:creationId xmlns:a16="http://schemas.microsoft.com/office/drawing/2014/main" id="{1A2395F7-38BA-4D88-8DB5-C36E0B369877}"/>
-              </a:ext>
-            </a:extLst>
-          </p:cNvPr>
+          <p:cNvPr id="5" name="Footer Placeholder 4"/>
           <p:cNvSpPr>
             <a:spLocks noGrp="1"/>
           </p:cNvSpPr>
@@ -2933,8 +2584,8 @@
         </p:nvSpPr>
         <p:spPr>
           <a:xfrm>
-            <a:off x="4038600" y="6356350"/>
-            <a:ext cx="4114800" cy="365125"/>
+            <a:off x="14538960" y="30510487"/>
+            <a:ext cx="14813280" cy="1752600"/>
           </a:xfrm>
           <a:prstGeom prst="rect">
             <a:avLst/>
@@ -2944,7 +2595,7 @@
           <a:bodyPr vert="horz" lIns="91440" tIns="45720" rIns="91440" bIns="45720" rtlCol="0" anchor="ctr"/>
           <a:lstStyle>
             <a:lvl1pPr algn="ctr">
-              <a:defRPr sz="1200">
+              <a:defRPr sz="5760">
                 <a:solidFill>
                   <a:schemeClr val="tx1">
                     <a:tint val="75000"/>
@@ -2960,13 +2611,7 @@
       </p:sp>
       <p:sp>
         <p:nvSpPr>
-          <p:cNvPr id="6" name="Slide Number Placeholder 5">
-            <a:extLst>
-              <a:ext uri="{FF2B5EF4-FFF2-40B4-BE49-F238E27FC236}">
-                <a16:creationId xmlns:a16="http://schemas.microsoft.com/office/drawing/2014/main" id="{6B59C480-B900-496F-B4D6-37694B3E4511}"/>
-              </a:ext>
-            </a:extLst>
-          </p:cNvPr>
+          <p:cNvPr id="6" name="Slide Number Placeholder 5"/>
           <p:cNvSpPr>
             <a:spLocks noGrp="1"/>
           </p:cNvSpPr>
@@ -2976,8 +2621,8 @@
         </p:nvSpPr>
         <p:spPr>
           <a:xfrm>
-            <a:off x="8610600" y="6356350"/>
-            <a:ext cx="2743200" cy="365125"/>
+            <a:off x="30998160" y="30510487"/>
+            <a:ext cx="9875520" cy="1752600"/>
           </a:xfrm>
           <a:prstGeom prst="rect">
             <a:avLst/>
@@ -2987,7 +2632,7 @@
           <a:bodyPr vert="horz" lIns="91440" tIns="45720" rIns="91440" bIns="45720" rtlCol="0" anchor="ctr"/>
           <a:lstStyle>
             <a:lvl1pPr algn="r">
-              <a:defRPr sz="1200">
+              <a:defRPr sz="5760">
                 <a:solidFill>
                   <a:schemeClr val="tx1">
                     <a:tint val="75000"/>
@@ -3008,27 +2653,27 @@
     </p:spTree>
     <p:extLst>
       <p:ext uri="{BB962C8B-B14F-4D97-AF65-F5344CB8AC3E}">
-        <p14:creationId xmlns:p14="http://schemas.microsoft.com/office/powerpoint/2010/main" val="3481690090"/>
+        <p14:creationId xmlns:p14="http://schemas.microsoft.com/office/powerpoint/2010/main" val="552641351"/>
       </p:ext>
     </p:extLst>
   </p:cSld>
   <p:clrMap bg1="lt1" tx1="dk1" bg2="lt2" tx2="dk2" accent1="accent1" accent2="accent2" accent3="accent3" accent4="accent4" accent5="accent5" accent6="accent6" hlink="hlink" folHlink="folHlink"/>
   <p:sldLayoutIdLst>
-    <p:sldLayoutId id="2147483649" r:id="rId1"/>
-    <p:sldLayoutId id="2147483650" r:id="rId2"/>
-    <p:sldLayoutId id="2147483651" r:id="rId3"/>
-    <p:sldLayoutId id="2147483652" r:id="rId4"/>
-    <p:sldLayoutId id="2147483653" r:id="rId5"/>
-    <p:sldLayoutId id="2147483654" r:id="rId6"/>
-    <p:sldLayoutId id="2147483655" r:id="rId7"/>
-    <p:sldLayoutId id="2147483656" r:id="rId8"/>
-    <p:sldLayoutId id="2147483657" r:id="rId9"/>
-    <p:sldLayoutId id="2147483658" r:id="rId10"/>
-    <p:sldLayoutId id="2147483659" r:id="rId11"/>
+    <p:sldLayoutId id="2147483661" r:id="rId1"/>
+    <p:sldLayoutId id="2147483662" r:id="rId2"/>
+    <p:sldLayoutId id="2147483663" r:id="rId3"/>
+    <p:sldLayoutId id="2147483664" r:id="rId4"/>
+    <p:sldLayoutId id="2147483665" r:id="rId5"/>
+    <p:sldLayoutId id="2147483666" r:id="rId6"/>
+    <p:sldLayoutId id="2147483667" r:id="rId7"/>
+    <p:sldLayoutId id="2147483668" r:id="rId8"/>
+    <p:sldLayoutId id="2147483669" r:id="rId9"/>
+    <p:sldLayoutId id="2147483670" r:id="rId10"/>
+    <p:sldLayoutId id="2147483671" r:id="rId11"/>
   </p:sldLayoutIdLst>
   <p:txStyles>
     <p:titleStyle>
-      <a:lvl1pPr algn="l" defTabSz="914400" rtl="0" eaLnBrk="1" latinLnBrk="0" hangingPunct="1">
+      <a:lvl1pPr algn="l" defTabSz="4389120" rtl="0" eaLnBrk="1" latinLnBrk="0" hangingPunct="1">
         <a:lnSpc>
           <a:spcPct val="90000"/>
         </a:lnSpc>
@@ -3036,7 +2681,7 @@
           <a:spcPct val="0"/>
         </a:spcBef>
         <a:buNone/>
-        <a:defRPr sz="4400" kern="1200">
+        <a:defRPr sz="21120" kern="1200">
           <a:solidFill>
             <a:schemeClr val="tx1"/>
           </a:solidFill>
@@ -3047,16 +2692,16 @@
       </a:lvl1pPr>
     </p:titleStyle>
     <p:bodyStyle>
-      <a:lvl1pPr marL="228600" indent="-228600" algn="l" defTabSz="914400" rtl="0" eaLnBrk="1" latinLnBrk="0" hangingPunct="1">
+      <a:lvl1pPr marL="1097280" indent="-1097280" algn="l" defTabSz="4389120" rtl="0" eaLnBrk="1" latinLnBrk="0" hangingPunct="1">
         <a:lnSpc>
           <a:spcPct val="90000"/>
         </a:lnSpc>
         <a:spcBef>
-          <a:spcPts val="1000"/>
+          <a:spcPts val="4800"/>
         </a:spcBef>
         <a:buFont typeface="Arial" panose="020B0604020202020204" pitchFamily="34" charset="0"/>
         <a:buChar char="•"/>
-        <a:defRPr sz="2800" kern="1200">
+        <a:defRPr sz="13440" kern="1200">
           <a:solidFill>
             <a:schemeClr val="tx1"/>
           </a:solidFill>
@@ -3065,16 +2710,16 @@
           <a:cs typeface="+mn-cs"/>
         </a:defRPr>
       </a:lvl1pPr>
-      <a:lvl2pPr marL="685800" indent="-228600" algn="l" defTabSz="914400" rtl="0" eaLnBrk="1" latinLnBrk="0" hangingPunct="1">
+      <a:lvl2pPr marL="3291840" indent="-1097280" algn="l" defTabSz="4389120" rtl="0" eaLnBrk="1" latinLnBrk="0" hangingPunct="1">
         <a:lnSpc>
           <a:spcPct val="90000"/>
         </a:lnSpc>
         <a:spcBef>
-          <a:spcPts val="500"/>
+          <a:spcPts val="2400"/>
         </a:spcBef>
         <a:buFont typeface="Arial" panose="020B0604020202020204" pitchFamily="34" charset="0"/>
         <a:buChar char="•"/>
-        <a:defRPr sz="2400" kern="1200">
+        <a:defRPr sz="11520" kern="1200">
           <a:solidFill>
             <a:schemeClr val="tx1"/>
           </a:solidFill>
@@ -3083,16 +2728,16 @@
           <a:cs typeface="+mn-cs"/>
         </a:defRPr>
       </a:lvl2pPr>
-      <a:lvl3pPr marL="1143000" indent="-228600" algn="l" defTabSz="914400" rtl="0" eaLnBrk="1" latinLnBrk="0" hangingPunct="1">
+      <a:lvl3pPr marL="5486400" indent="-1097280" algn="l" defTabSz="4389120" rtl="0" eaLnBrk="1" latinLnBrk="0" hangingPunct="1">
         <a:lnSpc>
           <a:spcPct val="90000"/>
         </a:lnSpc>
         <a:spcBef>
-          <a:spcPts val="500"/>
+          <a:spcPts val="2400"/>
         </a:spcBef>
         <a:buFont typeface="Arial" panose="020B0604020202020204" pitchFamily="34" charset="0"/>
         <a:buChar char="•"/>
-        <a:defRPr sz="2000" kern="1200">
+        <a:defRPr sz="9600" kern="1200">
           <a:solidFill>
             <a:schemeClr val="tx1"/>
           </a:solidFill>
@@ -3101,16 +2746,16 @@
           <a:cs typeface="+mn-cs"/>
         </a:defRPr>
       </a:lvl3pPr>
-      <a:lvl4pPr marL="1600200" indent="-228600" algn="l" defTabSz="914400" rtl="0" eaLnBrk="1" latinLnBrk="0" hangingPunct="1">
+      <a:lvl4pPr marL="7680960" indent="-1097280" algn="l" defTabSz="4389120" rtl="0" eaLnBrk="1" latinLnBrk="0" hangingPunct="1">
         <a:lnSpc>
           <a:spcPct val="90000"/>
         </a:lnSpc>
         <a:spcBef>
-          <a:spcPts val="500"/>
+          <a:spcPts val="2400"/>
         </a:spcBef>
         <a:buFont typeface="Arial" panose="020B0604020202020204" pitchFamily="34" charset="0"/>
         <a:buChar char="•"/>
-        <a:defRPr sz="1800" kern="1200">
+        <a:defRPr sz="8640" kern="1200">
           <a:solidFill>
             <a:schemeClr val="tx1"/>
           </a:solidFill>
@@ -3119,16 +2764,16 @@
           <a:cs typeface="+mn-cs"/>
         </a:defRPr>
       </a:lvl4pPr>
-      <a:lvl5pPr marL="2057400" indent="-228600" algn="l" defTabSz="914400" rtl="0" eaLnBrk="1" latinLnBrk="0" hangingPunct="1">
+      <a:lvl5pPr marL="9875520" indent="-1097280" algn="l" defTabSz="4389120" rtl="0" eaLnBrk="1" latinLnBrk="0" hangingPunct="1">
         <a:lnSpc>
           <a:spcPct val="90000"/>
         </a:lnSpc>
         <a:spcBef>
-          <a:spcPts val="500"/>
+          <a:spcPts val="2400"/>
         </a:spcBef>
         <a:buFont typeface="Arial" panose="020B0604020202020204" pitchFamily="34" charset="0"/>
         <a:buChar char="•"/>
-        <a:defRPr sz="1800" kern="1200">
+        <a:defRPr sz="8640" kern="1200">
           <a:solidFill>
             <a:schemeClr val="tx1"/>
           </a:solidFill>
@@ -3137,16 +2782,16 @@
           <a:cs typeface="+mn-cs"/>
         </a:defRPr>
       </a:lvl5pPr>
-      <a:lvl6pPr marL="2514600" indent="-228600" algn="l" defTabSz="914400" rtl="0" eaLnBrk="1" latinLnBrk="0" hangingPunct="1">
+      <a:lvl6pPr marL="12070080" indent="-1097280" algn="l" defTabSz="4389120" rtl="0" eaLnBrk="1" latinLnBrk="0" hangingPunct="1">
         <a:lnSpc>
           <a:spcPct val="90000"/>
         </a:lnSpc>
         <a:spcBef>
-          <a:spcPts val="500"/>
+          <a:spcPts val="2400"/>
         </a:spcBef>
         <a:buFont typeface="Arial" panose="020B0604020202020204" pitchFamily="34" charset="0"/>
         <a:buChar char="•"/>
-        <a:defRPr sz="1800" kern="1200">
+        <a:defRPr sz="8640" kern="1200">
           <a:solidFill>
             <a:schemeClr val="tx1"/>
           </a:solidFill>
@@ -3155,16 +2800,16 @@
           <a:cs typeface="+mn-cs"/>
         </a:defRPr>
       </a:lvl6pPr>
-      <a:lvl7pPr marL="2971800" indent="-228600" algn="l" defTabSz="914400" rtl="0" eaLnBrk="1" latinLnBrk="0" hangingPunct="1">
+      <a:lvl7pPr marL="14264640" indent="-1097280" algn="l" defTabSz="4389120" rtl="0" eaLnBrk="1" latinLnBrk="0" hangingPunct="1">
         <a:lnSpc>
           <a:spcPct val="90000"/>
         </a:lnSpc>
         <a:spcBef>
-          <a:spcPts val="500"/>
+          <a:spcPts val="2400"/>
         </a:spcBef>
         <a:buFont typeface="Arial" panose="020B0604020202020204" pitchFamily="34" charset="0"/>
         <a:buChar char="•"/>
-        <a:defRPr sz="1800" kern="1200">
+        <a:defRPr sz="8640" kern="1200">
           <a:solidFill>
             <a:schemeClr val="tx1"/>
           </a:solidFill>
@@ -3173,16 +2818,16 @@
           <a:cs typeface="+mn-cs"/>
         </a:defRPr>
       </a:lvl7pPr>
-      <a:lvl8pPr marL="3429000" indent="-228600" algn="l" defTabSz="914400" rtl="0" eaLnBrk="1" latinLnBrk="0" hangingPunct="1">
+      <a:lvl8pPr marL="16459200" indent="-1097280" algn="l" defTabSz="4389120" rtl="0" eaLnBrk="1" latinLnBrk="0" hangingPunct="1">
         <a:lnSpc>
           <a:spcPct val="90000"/>
         </a:lnSpc>
         <a:spcBef>
-          <a:spcPts val="500"/>
+          <a:spcPts val="2400"/>
         </a:spcBef>
         <a:buFont typeface="Arial" panose="020B0604020202020204" pitchFamily="34" charset="0"/>
         <a:buChar char="•"/>
-        <a:defRPr sz="1800" kern="1200">
+        <a:defRPr sz="8640" kern="1200">
           <a:solidFill>
             <a:schemeClr val="tx1"/>
           </a:solidFill>
@@ -3191,16 +2836,16 @@
           <a:cs typeface="+mn-cs"/>
         </a:defRPr>
       </a:lvl8pPr>
-      <a:lvl9pPr marL="3886200" indent="-228600" algn="l" defTabSz="914400" rtl="0" eaLnBrk="1" latinLnBrk="0" hangingPunct="1">
+      <a:lvl9pPr marL="18653760" indent="-1097280" algn="l" defTabSz="4389120" rtl="0" eaLnBrk="1" latinLnBrk="0" hangingPunct="1">
         <a:lnSpc>
           <a:spcPct val="90000"/>
         </a:lnSpc>
         <a:spcBef>
-          <a:spcPts val="500"/>
+          <a:spcPts val="2400"/>
         </a:spcBef>
         <a:buFont typeface="Arial" panose="020B0604020202020204" pitchFamily="34" charset="0"/>
         <a:buChar char="•"/>
-        <a:defRPr sz="1800" kern="1200">
+        <a:defRPr sz="8640" kern="1200">
           <a:solidFill>
             <a:schemeClr val="tx1"/>
           </a:solidFill>
@@ -3214,8 +2859,8 @@
       <a:defPPr>
         <a:defRPr lang="en-US"/>
       </a:defPPr>
-      <a:lvl1pPr marL="0" algn="l" defTabSz="914400" rtl="0" eaLnBrk="1" latinLnBrk="0" hangingPunct="1">
-        <a:defRPr sz="1800" kern="1200">
+      <a:lvl1pPr marL="0" algn="l" defTabSz="4389120" rtl="0" eaLnBrk="1" latinLnBrk="0" hangingPunct="1">
+        <a:defRPr sz="8640" kern="1200">
           <a:solidFill>
             <a:schemeClr val="tx1"/>
           </a:solidFill>
@@ -3224,8 +2869,8 @@
           <a:cs typeface="+mn-cs"/>
         </a:defRPr>
       </a:lvl1pPr>
-      <a:lvl2pPr marL="457200" algn="l" defTabSz="914400" rtl="0" eaLnBrk="1" latinLnBrk="0" hangingPunct="1">
-        <a:defRPr sz="1800" kern="1200">
+      <a:lvl2pPr marL="2194560" algn="l" defTabSz="4389120" rtl="0" eaLnBrk="1" latinLnBrk="0" hangingPunct="1">
+        <a:defRPr sz="8640" kern="1200">
           <a:solidFill>
             <a:schemeClr val="tx1"/>
           </a:solidFill>
@@ -3234,8 +2879,8 @@
           <a:cs typeface="+mn-cs"/>
         </a:defRPr>
       </a:lvl2pPr>
-      <a:lvl3pPr marL="914400" algn="l" defTabSz="914400" rtl="0" eaLnBrk="1" latinLnBrk="0" hangingPunct="1">
-        <a:defRPr sz="1800" kern="1200">
+      <a:lvl3pPr marL="4389120" algn="l" defTabSz="4389120" rtl="0" eaLnBrk="1" latinLnBrk="0" hangingPunct="1">
+        <a:defRPr sz="8640" kern="1200">
           <a:solidFill>
             <a:schemeClr val="tx1"/>
           </a:solidFill>
@@ -3244,8 +2889,8 @@
           <a:cs typeface="+mn-cs"/>
         </a:defRPr>
       </a:lvl3pPr>
-      <a:lvl4pPr marL="1371600" algn="l" defTabSz="914400" rtl="0" eaLnBrk="1" latinLnBrk="0" hangingPunct="1">
-        <a:defRPr sz="1800" kern="1200">
+      <a:lvl4pPr marL="6583680" algn="l" defTabSz="4389120" rtl="0" eaLnBrk="1" latinLnBrk="0" hangingPunct="1">
+        <a:defRPr sz="8640" kern="1200">
           <a:solidFill>
             <a:schemeClr val="tx1"/>
           </a:solidFill>
@@ -3254,8 +2899,8 @@
           <a:cs typeface="+mn-cs"/>
         </a:defRPr>
       </a:lvl4pPr>
-      <a:lvl5pPr marL="1828800" algn="l" defTabSz="914400" rtl="0" eaLnBrk="1" latinLnBrk="0" hangingPunct="1">
-        <a:defRPr sz="1800" kern="1200">
+      <a:lvl5pPr marL="8778240" algn="l" defTabSz="4389120" rtl="0" eaLnBrk="1" latinLnBrk="0" hangingPunct="1">
+        <a:defRPr sz="8640" kern="1200">
           <a:solidFill>
             <a:schemeClr val="tx1"/>
           </a:solidFill>
@@ -3264,8 +2909,8 @@
           <a:cs typeface="+mn-cs"/>
         </a:defRPr>
       </a:lvl5pPr>
-      <a:lvl6pPr marL="2286000" algn="l" defTabSz="914400" rtl="0" eaLnBrk="1" latinLnBrk="0" hangingPunct="1">
-        <a:defRPr sz="1800" kern="1200">
+      <a:lvl6pPr marL="10972800" algn="l" defTabSz="4389120" rtl="0" eaLnBrk="1" latinLnBrk="0" hangingPunct="1">
+        <a:defRPr sz="8640" kern="1200">
           <a:solidFill>
             <a:schemeClr val="tx1"/>
           </a:solidFill>
@@ -3274,8 +2919,8 @@
           <a:cs typeface="+mn-cs"/>
         </a:defRPr>
       </a:lvl6pPr>
-      <a:lvl7pPr marL="2743200" algn="l" defTabSz="914400" rtl="0" eaLnBrk="1" latinLnBrk="0" hangingPunct="1">
-        <a:defRPr sz="1800" kern="1200">
+      <a:lvl7pPr marL="13167360" algn="l" defTabSz="4389120" rtl="0" eaLnBrk="1" latinLnBrk="0" hangingPunct="1">
+        <a:defRPr sz="8640" kern="1200">
           <a:solidFill>
             <a:schemeClr val="tx1"/>
           </a:solidFill>
@@ -3284,8 +2929,8 @@
           <a:cs typeface="+mn-cs"/>
         </a:defRPr>
       </a:lvl7pPr>
-      <a:lvl8pPr marL="3200400" algn="l" defTabSz="914400" rtl="0" eaLnBrk="1" latinLnBrk="0" hangingPunct="1">
-        <a:defRPr sz="1800" kern="1200">
+      <a:lvl8pPr marL="15361920" algn="l" defTabSz="4389120" rtl="0" eaLnBrk="1" latinLnBrk="0" hangingPunct="1">
+        <a:defRPr sz="8640" kern="1200">
           <a:solidFill>
             <a:schemeClr val="tx1"/>
           </a:solidFill>
@@ -3294,8 +2939,8 @@
           <a:cs typeface="+mn-cs"/>
         </a:defRPr>
       </a:lvl8pPr>
-      <a:lvl9pPr marL="3657600" algn="l" defTabSz="914400" rtl="0" eaLnBrk="1" latinLnBrk="0" hangingPunct="1">
-        <a:defRPr sz="1800" kern="1200">
+      <a:lvl9pPr marL="17556480" algn="l" defTabSz="4389120" rtl="0" eaLnBrk="1" latinLnBrk="0" hangingPunct="1">
+        <a:defRPr sz="8640" kern="1200">
           <a:solidFill>
             <a:schemeClr val="tx1"/>
           </a:solidFill>
@@ -3344,64 +2989,64 @@
         </p:nvSpPr>
         <p:spPr>
           <a:xfrm>
-            <a:off x="2783632" y="200941"/>
-            <a:ext cx="6624735" cy="810532"/>
+            <a:off x="3352800" y="313367"/>
+            <a:ext cx="37185600" cy="2917915"/>
           </a:xfrm>
         </p:spPr>
         <p:txBody>
           <a:bodyPr>
-            <a:normAutofit fontScale="90000"/>
+            <a:normAutofit/>
           </a:bodyPr>
           <a:lstStyle/>
           <a:p>
             <a:pPr algn="ctr"/>
             <a:r>
-              <a:rPr lang="en-US" sz="1400" b="1" dirty="0">
+              <a:rPr lang="en-US" sz="6700" b="1" dirty="0">
                 <a:latin typeface="+mn-lt"/>
               </a:rPr>
               <a:t>Using Feedback and Vaccination Data to More Accurately Model and Predict the SARS-CoV-2 Pandemic</a:t>
             </a:r>
             <a:br>
-              <a:rPr lang="en-US" sz="1400" b="1" dirty="0">
+              <a:rPr lang="en-US" sz="5040" b="1" dirty="0">
                 <a:latin typeface="+mn-lt"/>
               </a:rPr>
             </a:br>
             <a:r>
-              <a:rPr lang="en-US" sz="1400" dirty="0">
+              <a:rPr lang="en-US" sz="5600" dirty="0">
                 <a:latin typeface="+mn-lt"/>
               </a:rPr>
               <a:t>Daniel March, </a:t>
             </a:r>
             <a:r>
-              <a:rPr lang="en-US" sz="1400" dirty="0" err="1">
+              <a:rPr lang="en-US" sz="5600" dirty="0" err="1">
                 <a:latin typeface="+mn-lt"/>
               </a:rPr>
               <a:t>Jeston</a:t>
             </a:r>
             <a:r>
-              <a:rPr lang="en-US" sz="1400" dirty="0">
+              <a:rPr lang="en-US" sz="5600" dirty="0">
                 <a:latin typeface="+mn-lt"/>
               </a:rPr>
               <a:t> Bond, Gentian </a:t>
             </a:r>
             <a:r>
-              <a:rPr lang="en-US" sz="1400" dirty="0" err="1">
+              <a:rPr lang="en-US" sz="5600" dirty="0" err="1">
                 <a:latin typeface="+mn-lt"/>
               </a:rPr>
               <a:t>Buzi</a:t>
             </a:r>
             <a:br>
-              <a:rPr lang="en-US" sz="1400" dirty="0">
+              <a:rPr lang="en-US" sz="5600" dirty="0">
                 <a:latin typeface="+mn-lt"/>
               </a:rPr>
             </a:br>
             <a:r>
-              <a:rPr lang="en-US" sz="1400" dirty="0">
+              <a:rPr lang="en-US" sz="5600" dirty="0">
                 <a:latin typeface="+mn-lt"/>
               </a:rPr>
               <a:t>Department of Math and Computer Science, Biola University</a:t>
             </a:r>
-            <a:endParaRPr lang="en-US" sz="1400" b="1" dirty="0">
+            <a:endParaRPr lang="en-US" sz="5600" b="1" dirty="0">
               <a:latin typeface="+mn-lt"/>
             </a:endParaRPr>
           </a:p>
@@ -3423,8 +3068,8 @@
         </p:nvCxnSpPr>
         <p:spPr>
           <a:xfrm>
-            <a:off x="184558" y="1023457"/>
-            <a:ext cx="11803310" cy="0"/>
+            <a:off x="664401" y="3561540"/>
+            <a:ext cx="42491916" cy="0"/>
           </a:xfrm>
           <a:prstGeom prst="line">
             <a:avLst/>
@@ -3454,13 +3099,15 @@
               </a:ext>
             </a:extLst>
           </p:cNvPr>
-          <p:cNvCxnSpPr/>
+          <p:cNvCxnSpPr>
+            <a:cxnSpLocks/>
+          </p:cNvCxnSpPr>
           <p:nvPr/>
         </p:nvCxnSpPr>
         <p:spPr>
           <a:xfrm>
-            <a:off x="3640822" y="1023457"/>
-            <a:ext cx="0" cy="5746459"/>
+            <a:off x="12865280" y="3561540"/>
+            <a:ext cx="0" cy="29356860"/>
           </a:xfrm>
           <a:prstGeom prst="line">
             <a:avLst/>
@@ -3490,13 +3137,15 @@
               </a:ext>
             </a:extLst>
           </p:cNvPr>
-          <p:cNvCxnSpPr/>
+          <p:cNvCxnSpPr>
+            <a:cxnSpLocks/>
+          </p:cNvCxnSpPr>
           <p:nvPr/>
         </p:nvCxnSpPr>
         <p:spPr>
           <a:xfrm>
-            <a:off x="3640822" y="4790114"/>
-            <a:ext cx="8347046" cy="0"/>
+            <a:off x="12865290" y="21359210"/>
+            <a:ext cx="30291044" cy="0"/>
           </a:xfrm>
           <a:prstGeom prst="line">
             <a:avLst/>
@@ -3531,8 +3180,8 @@
         </p:nvSpPr>
         <p:spPr>
           <a:xfrm>
-            <a:off x="184558" y="1103752"/>
-            <a:ext cx="3389131" cy="1815882"/>
+            <a:off x="266703" y="3842172"/>
+            <a:ext cx="12434366" cy="12369540"/>
           </a:xfrm>
           <a:prstGeom prst="rect">
             <a:avLst/>
@@ -3547,85 +3196,42 @@
           <a:p>
             <a:pPr algn="ctr"/>
             <a:r>
-              <a:rPr lang="en-US" sz="1400" b="1" dirty="0">
-                <a:solidFill>
-                  <a:schemeClr val="accent1">
-                    <a:lumMod val="75000"/>
-                  </a:schemeClr>
-                </a:solidFill>
-              </a:rPr>
+              <a:rPr lang="en-US" sz="4500" b="1" dirty="0"/>
               <a:t>Abstract</a:t>
             </a:r>
           </a:p>
           <a:p>
+            <a:r>
+              <a:rPr lang="en-US" sz="4000" dirty="0"/>
+              <a:t>We compare the predictive power of several different disease models and their ability to model the transmission, recovery and death rates. The simplest disease model tracks the susceptible, infected, recovered, and dead populations over time (SIRD). We additionally use a model incorporating asymptomatic individuals (SAIRD) and add a degree of feedback to these models to better track the transmission rate. The inclusion of feedback enables the model to predict minor outbreak spikes, which is a major advantage over the basic SIRD model.</a:t>
+            </a:r>
+          </a:p>
+          <a:p>
+            <a:endParaRPr lang="en-US" sz="5040" dirty="0"/>
+          </a:p>
+          <a:p>
             <a:pPr algn="ctr"/>
-            <a:endParaRPr lang="en-US" sz="1400" u="sng" dirty="0">
-              <a:solidFill>
-                <a:schemeClr val="accent1">
-                  <a:lumMod val="75000"/>
-                </a:schemeClr>
-              </a:solidFill>
-            </a:endParaRPr>
+            <a:endParaRPr lang="en-US" sz="5040" dirty="0"/>
           </a:p>
           <a:p>
             <a:pPr algn="ctr"/>
-            <a:endParaRPr lang="en-US" sz="1400" u="sng" dirty="0">
-              <a:solidFill>
-                <a:schemeClr val="accent1">
-                  <a:lumMod val="75000"/>
-                </a:schemeClr>
-              </a:solidFill>
-            </a:endParaRPr>
+            <a:endParaRPr lang="en-US" sz="5040" u="sng" dirty="0"/>
           </a:p>
           <a:p>
             <a:pPr algn="ctr"/>
-            <a:endParaRPr lang="en-US" sz="1400" u="sng" dirty="0">
-              <a:solidFill>
-                <a:schemeClr val="accent1">
-                  <a:lumMod val="75000"/>
-                </a:schemeClr>
-              </a:solidFill>
-            </a:endParaRPr>
+            <a:endParaRPr lang="en-US" sz="5040" u="sng" dirty="0"/>
           </a:p>
           <a:p>
             <a:pPr algn="ctr"/>
-            <a:endParaRPr lang="en-US" sz="1400" u="sng" dirty="0">
-              <a:solidFill>
-                <a:schemeClr val="accent1">
-                  <a:lumMod val="75000"/>
-                </a:schemeClr>
-              </a:solidFill>
-            </a:endParaRPr>
+            <a:endParaRPr lang="en-US" sz="5040" u="sng" dirty="0"/>
           </a:p>
           <a:p>
             <a:pPr algn="ctr"/>
-            <a:endParaRPr lang="en-US" sz="1400" u="sng" dirty="0">
-              <a:solidFill>
-                <a:schemeClr val="accent1">
-                  <a:lumMod val="75000"/>
-                </a:schemeClr>
-              </a:solidFill>
-            </a:endParaRPr>
+            <a:endParaRPr lang="en-US" sz="5040" u="sng" dirty="0"/>
           </a:p>
           <a:p>
             <a:pPr algn="ctr"/>
-            <a:endParaRPr lang="en-US" sz="1400" u="sng" dirty="0">
-              <a:solidFill>
-                <a:schemeClr val="accent1">
-                  <a:lumMod val="75000"/>
-                </a:schemeClr>
-              </a:solidFill>
-            </a:endParaRPr>
-          </a:p>
-          <a:p>
-            <a:pPr algn="ctr"/>
-            <a:endParaRPr lang="en-US" sz="1400" u="sng" dirty="0">
-              <a:solidFill>
-                <a:schemeClr val="accent1">
-                  <a:lumMod val="75000"/>
-                </a:schemeClr>
-              </a:solidFill>
-            </a:endParaRPr>
+            <a:endParaRPr lang="en-US" sz="5040" u="sng" dirty="0"/>
           </a:p>
         </p:txBody>
       </p:sp>
@@ -3643,8 +3249,8 @@
         </p:nvSpPr>
         <p:spPr>
           <a:xfrm>
-            <a:off x="3306660" y="1125323"/>
-            <a:ext cx="3369557" cy="307777"/>
+            <a:off x="465545" y="15573929"/>
+            <a:ext cx="11885949" cy="8787021"/>
           </a:xfrm>
           <a:prstGeom prst="rect">
             <a:avLst/>
@@ -3659,15 +3265,30 @@
           <a:p>
             <a:pPr algn="ctr"/>
             <a:r>
-              <a:rPr lang="en-US" sz="1400" b="1" dirty="0">
-                <a:solidFill>
-                  <a:schemeClr val="accent1">
-                    <a:lumMod val="75000"/>
-                  </a:schemeClr>
-                </a:solidFill>
-              </a:rPr>
+              <a:rPr lang="en-US" sz="4500" b="1" dirty="0"/>
               <a:t>Methods/Approach</a:t>
             </a:r>
+          </a:p>
+          <a:p>
+            <a:r>
+              <a:rPr lang="en-US" sz="4000" dirty="0"/>
+              <a:t>Due to the nature of the data, not all infections, recoveries, and deaths are recorded. Therefore, a scaling factor to I, R, D must be used to properly model these populations. This value, q, is solved by gridding values and minimizing an objective function.</a:t>
+            </a:r>
+          </a:p>
+          <a:p>
+            <a:endParaRPr lang="en-US" sz="4000" dirty="0"/>
+          </a:p>
+          <a:p>
+            <a:r>
+              <a:rPr lang="en-US" sz="4000" dirty="0"/>
+              <a:t>Some additional populations must be approximated since these values aren’t always reported. The recovered and asymptomatic populations can be approximated using the below equations. Note that S,A,I,R,D are time series.</a:t>
+            </a:r>
+          </a:p>
+          <a:p>
+            <a:endParaRPr lang="en-US" sz="4000" dirty="0"/>
+          </a:p>
+          <a:p>
+            <a:endParaRPr lang="en-US" sz="4000" dirty="0"/>
           </a:p>
         </p:txBody>
       </p:sp>
@@ -3680,13 +3301,15 @@
               </a:ext>
             </a:extLst>
           </p:cNvPr>
-          <p:cNvCxnSpPr/>
+          <p:cNvCxnSpPr>
+            <a:cxnSpLocks/>
+          </p:cNvCxnSpPr>
           <p:nvPr/>
         </p:nvCxnSpPr>
         <p:spPr>
           <a:xfrm flipV="1">
-            <a:off x="6274965" y="1023457"/>
-            <a:ext cx="0" cy="3766657"/>
+            <a:off x="24972050" y="3561540"/>
+            <a:ext cx="0" cy="17797684"/>
           </a:xfrm>
           <a:prstGeom prst="line">
             <a:avLst/>
@@ -3721,8 +3344,8 @@
         </p:nvSpPr>
         <p:spPr>
           <a:xfrm>
-            <a:off x="667626" y="2846039"/>
-            <a:ext cx="2422994" cy="307777"/>
+            <a:off x="266694" y="10848711"/>
+            <a:ext cx="12283652" cy="4478149"/>
           </a:xfrm>
           <a:prstGeom prst="rect">
             <a:avLst/>
@@ -3737,14 +3360,14 @@
           <a:p>
             <a:pPr algn="ctr"/>
             <a:r>
-              <a:rPr lang="en-US" sz="1400" b="1" dirty="0">
-                <a:solidFill>
-                  <a:schemeClr val="accent1">
-                    <a:lumMod val="75000"/>
-                  </a:schemeClr>
-                </a:solidFill>
-              </a:rPr>
+              <a:rPr lang="en-US" sz="4500" b="1" dirty="0"/>
               <a:t>Data</a:t>
+            </a:r>
+          </a:p>
+          <a:p>
+            <a:r>
+              <a:rPr lang="en-US" sz="4000" dirty="0"/>
+              <a:t>The data for this project was extracted from publicly available databases. For US data, numbers for daily total infections, deaths, and vaccinations was acquired from the CDC. For Italian data, numbers for current infections, recoveries, and death were acquired from the Italian Department of Civil Protection.</a:t>
             </a:r>
           </a:p>
         </p:txBody>
@@ -3763,8 +3386,8 @@
         </p:nvSpPr>
         <p:spPr>
           <a:xfrm>
-            <a:off x="6425967" y="1112141"/>
-            <a:ext cx="5427677" cy="307777"/>
+            <a:off x="25286982" y="8165966"/>
+            <a:ext cx="19539637" cy="867930"/>
           </a:xfrm>
           <a:prstGeom prst="rect">
             <a:avLst/>
@@ -3779,7 +3402,7 @@
           <a:p>
             <a:pPr algn="ctr"/>
             <a:r>
-              <a:rPr lang="en-US" sz="1400" b="1" dirty="0">
+              <a:rPr lang="en-US" sz="5040" b="1" dirty="0">
                 <a:solidFill>
                   <a:schemeClr val="accent1">
                     <a:lumMod val="75000"/>
@@ -3805,8 +3428,8 @@
         </p:nvSpPr>
         <p:spPr>
           <a:xfrm>
-            <a:off x="3749880" y="4892959"/>
-            <a:ext cx="5658488" cy="307777"/>
+            <a:off x="13499568" y="21729460"/>
+            <a:ext cx="20370557" cy="867930"/>
           </a:xfrm>
           <a:prstGeom prst="rect">
             <a:avLst/>
@@ -3821,7 +3444,7 @@
           <a:p>
             <a:pPr algn="ctr"/>
             <a:r>
-              <a:rPr lang="en-US" sz="1400" b="1" dirty="0">
+              <a:rPr lang="en-US" sz="5040" b="1" dirty="0">
                 <a:solidFill>
                   <a:schemeClr val="accent1">
                     <a:lumMod val="75000"/>
@@ -3847,8 +3470,8 @@
         </p:nvSpPr>
         <p:spPr>
           <a:xfrm>
-            <a:off x="9789952" y="4892960"/>
-            <a:ext cx="2197914" cy="307777"/>
+            <a:off x="35243827" y="21729469"/>
+            <a:ext cx="7912490" cy="867930"/>
           </a:xfrm>
           <a:prstGeom prst="rect">
             <a:avLst/>
@@ -3863,7 +3486,7 @@
           <a:p>
             <a:pPr algn="ctr"/>
             <a:r>
-              <a:rPr lang="en-US" sz="1400" b="1" dirty="0">
+              <a:rPr lang="en-US" sz="5040" b="1" dirty="0">
                 <a:solidFill>
                   <a:schemeClr val="accent1">
                     <a:lumMod val="75000"/>
@@ -3875,6 +3498,126 @@
           </a:p>
         </p:txBody>
       </p:sp>
+      <p:pic>
+        <p:nvPicPr>
+          <p:cNvPr id="2" name="Picture 1">
+            <a:extLst>
+              <a:ext uri="{FF2B5EF4-FFF2-40B4-BE49-F238E27FC236}">
+                <a16:creationId xmlns:a16="http://schemas.microsoft.com/office/drawing/2014/main" id="{AFF8133E-C271-4181-8CB7-95E5A68DBDCE}"/>
+              </a:ext>
+            </a:extLst>
+          </p:cNvPr>
+          <p:cNvPicPr>
+            <a:picLocks/>
+          </p:cNvPicPr>
+          <p:nvPr/>
+        </p:nvPicPr>
+        <p:blipFill>
+          <a:blip r:embed="rId2"/>
+          <a:stretch>
+            <a:fillRect/>
+          </a:stretch>
+        </p:blipFill>
+        <p:spPr>
+          <a:xfrm>
+            <a:off x="22421381" y="4795301"/>
+            <a:ext cx="1805424" cy="2570870"/>
+          </a:xfrm>
+          <a:prstGeom prst="rect">
+            <a:avLst/>
+          </a:prstGeom>
+        </p:spPr>
+      </p:pic>
+      <p:pic>
+        <p:nvPicPr>
+          <p:cNvPr id="3" name="Picture 2">
+            <a:extLst>
+              <a:ext uri="{FF2B5EF4-FFF2-40B4-BE49-F238E27FC236}">
+                <a16:creationId xmlns:a16="http://schemas.microsoft.com/office/drawing/2014/main" id="{D6EF0D96-BCE3-459C-A9BF-FB09CCCEC7E8}"/>
+              </a:ext>
+            </a:extLst>
+          </p:cNvPr>
+          <p:cNvPicPr>
+            <a:picLocks/>
+          </p:cNvPicPr>
+          <p:nvPr/>
+        </p:nvPicPr>
+        <p:blipFill>
+          <a:blip r:embed="rId3"/>
+          <a:stretch>
+            <a:fillRect/>
+          </a:stretch>
+        </p:blipFill>
+        <p:spPr>
+          <a:xfrm>
+            <a:off x="20682064" y="8599931"/>
+            <a:ext cx="4066090" cy="3074361"/>
+          </a:xfrm>
+          <a:prstGeom prst="rect">
+            <a:avLst/>
+          </a:prstGeom>
+        </p:spPr>
+      </p:pic>
+      <p:pic>
+        <p:nvPicPr>
+          <p:cNvPr id="5" name="Picture 4">
+            <a:extLst>
+              <a:ext uri="{FF2B5EF4-FFF2-40B4-BE49-F238E27FC236}">
+                <a16:creationId xmlns:a16="http://schemas.microsoft.com/office/drawing/2014/main" id="{05F0B7D5-928B-4CB6-85C3-AF8C5B4714FF}"/>
+              </a:ext>
+            </a:extLst>
+          </p:cNvPr>
+          <p:cNvPicPr>
+            <a:picLocks/>
+          </p:cNvPicPr>
+          <p:nvPr/>
+        </p:nvPicPr>
+        <p:blipFill>
+          <a:blip r:embed="rId4"/>
+          <a:stretch>
+            <a:fillRect/>
+          </a:stretch>
+        </p:blipFill>
+        <p:spPr>
+          <a:xfrm>
+            <a:off x="4103533" y="23107947"/>
+            <a:ext cx="4609971" cy="1036692"/>
+          </a:xfrm>
+          <a:prstGeom prst="rect">
+            <a:avLst/>
+          </a:prstGeom>
+        </p:spPr>
+      </p:pic>
+      <p:pic>
+        <p:nvPicPr>
+          <p:cNvPr id="7" name="Picture 6">
+            <a:extLst>
+              <a:ext uri="{FF2B5EF4-FFF2-40B4-BE49-F238E27FC236}">
+                <a16:creationId xmlns:a16="http://schemas.microsoft.com/office/drawing/2014/main" id="{AE5DD4C9-4FB9-44C1-855A-951BB15BEC42}"/>
+              </a:ext>
+            </a:extLst>
+          </p:cNvPr>
+          <p:cNvPicPr>
+            <a:picLocks/>
+          </p:cNvPicPr>
+          <p:nvPr/>
+        </p:nvPicPr>
+        <p:blipFill>
+          <a:blip r:embed="rId5"/>
+          <a:stretch>
+            <a:fillRect/>
+          </a:stretch>
+        </p:blipFill>
+        <p:spPr>
+          <a:xfrm>
+            <a:off x="15749177" y="13462634"/>
+            <a:ext cx="5769702" cy="1051975"/>
+          </a:xfrm>
+          <a:prstGeom prst="rect">
+            <a:avLst/>
+          </a:prstGeom>
+        </p:spPr>
+      </p:pic>
     </p:spTree>
     <p:extLst>
       <p:ext uri="{BB962C8B-B14F-4D97-AF65-F5344CB8AC3E}">
@@ -3891,7 +3634,7 @@
 <file path=ppt/theme/theme1.xml><?xml version="1.0" encoding="utf-8"?>
 <a:theme xmlns:a="http://schemas.openxmlformats.org/drawingml/2006/main" name="Office Theme">
   <a:themeElements>
-    <a:clrScheme name="Office">
+    <a:clrScheme name="Office Theme">
       <a:dk1>
         <a:sysClr val="windowText" lastClr="000000"/>
       </a:dk1>
@@ -3929,7 +3672,7 @@
         <a:srgbClr val="954F72"/>
       </a:folHlink>
     </a:clrScheme>
-    <a:fontScheme name="Office">
+    <a:fontScheme name="Office Theme">
       <a:majorFont>
         <a:latin typeface="Calibri Light" panose="020F0302020204030204"/>
         <a:ea typeface=""/>
@@ -3964,23 +3707,6 @@
         <a:font script="Viet" typeface="Times New Roman"/>
         <a:font script="Uigh" typeface="Microsoft Uighur"/>
         <a:font script="Geor" typeface="Sylfaen"/>
-        <a:font script="Armn" typeface="Arial"/>
-        <a:font script="Bugi" typeface="Leelawadee UI"/>
-        <a:font script="Bopo" typeface="Microsoft JhengHei"/>
-        <a:font script="Java" typeface="Javanese Text"/>
-        <a:font script="Lisu" typeface="Segoe UI"/>
-        <a:font script="Mymr" typeface="Myanmar Text"/>
-        <a:font script="Nkoo" typeface="Ebrima"/>
-        <a:font script="Olck" typeface="Nirmala UI"/>
-        <a:font script="Osma" typeface="Ebrima"/>
-        <a:font script="Phag" typeface="Phagspa"/>
-        <a:font script="Syrn" typeface="Estrangelo Edessa"/>
-        <a:font script="Syrj" typeface="Estrangelo Edessa"/>
-        <a:font script="Syre" typeface="Estrangelo Edessa"/>
-        <a:font script="Sora" typeface="Nirmala UI"/>
-        <a:font script="Tale" typeface="Microsoft Tai Le"/>
-        <a:font script="Talu" typeface="Microsoft New Tai Lue"/>
-        <a:font script="Tfng" typeface="Ebrima"/>
       </a:majorFont>
       <a:minorFont>
         <a:latin typeface="Calibri" panose="020F0502020204030204"/>
@@ -4016,26 +3742,9 @@
         <a:font script="Viet" typeface="Arial"/>
         <a:font script="Uigh" typeface="Microsoft Uighur"/>
         <a:font script="Geor" typeface="Sylfaen"/>
-        <a:font script="Armn" typeface="Arial"/>
-        <a:font script="Bugi" typeface="Leelawadee UI"/>
-        <a:font script="Bopo" typeface="Microsoft JhengHei"/>
-        <a:font script="Java" typeface="Javanese Text"/>
-        <a:font script="Lisu" typeface="Segoe UI"/>
-        <a:font script="Mymr" typeface="Myanmar Text"/>
-        <a:font script="Nkoo" typeface="Ebrima"/>
-        <a:font script="Olck" typeface="Nirmala UI"/>
-        <a:font script="Osma" typeface="Ebrima"/>
-        <a:font script="Phag" typeface="Phagspa"/>
-        <a:font script="Syrn" typeface="Estrangelo Edessa"/>
-        <a:font script="Syrj" typeface="Estrangelo Edessa"/>
-        <a:font script="Syre" typeface="Estrangelo Edessa"/>
-        <a:font script="Sora" typeface="Nirmala UI"/>
-        <a:font script="Tale" typeface="Microsoft Tai Le"/>
-        <a:font script="Talu" typeface="Microsoft New Tai Lue"/>
-        <a:font script="Tfng" typeface="Ebrima"/>
       </a:minorFont>
     </a:fontScheme>
-    <a:fmtScheme name="Office">
+    <a:fmtScheme name="Office Theme">
       <a:fillStyleLst>
         <a:solidFill>
           <a:schemeClr val="phClr"/>
@@ -4181,4 +3890,28 @@
     </a:ext>
   </a:extLst>
 </a:theme>
+</file>
+
+<file path=ppt/webextensions/taskpanes.xml><?xml version="1.0" encoding="utf-8"?>
+<wetp:taskpanes xmlns:wetp="http://schemas.microsoft.com/office/webextensions/taskpanes/2010/11">
+  <wetp:taskpane dockstate="right" visibility="0" width="438" row="2">
+    <wetp:webextensionref xmlns:r="http://schemas.openxmlformats.org/officeDocument/2006/relationships" r:id="rId1"/>
+  </wetp:taskpane>
+</wetp:taskpanes>
+</file>
+
+<file path=ppt/webextensions/webextension1.xml><?xml version="1.0" encoding="utf-8"?>
+<we:webextension xmlns:we="http://schemas.microsoft.com/office/webextensions/webextension/2010/11" id="{22CAA11B-705A-456F-8C1D-6066FBA459F4}">
+  <we:reference id="wa200002290" version="1.0.0.3" store="en-US" storeType="OMEX"/>
+  <we:alternateReferences>
+    <we:reference id="wa200002290" version="1.0.0.3" store="WA200002290" storeType="OMEX"/>
+  </we:alternateReferences>
+  <we:properties>
+    <we:property name="mathList" value="[{&quot;id&quot;:&quot;1&quot;,&quot;code&quot;:&quot;\\begin{gather*}\n{S+I{\\dmathop{\\longrightarrow}_{}^{\\beta}}I}\\\\\n{I{\\dmathop{\\longrightarrow}_{}^{\\gamma}}R}\\\\\n{I{\\dmathop{\\longrightarrow}_{}^{\\nu}}D}\t\n\\end{gather*}&quot;,&quot;font&quot;:{&quot;size&quot;:12,&quot;family&quot;:&quot;Arial&quot;,&quot;color&quot;:&quot;black&quot;},&quot;type&quot;:&quot;gather*&quot;},{&quot;id&quot;:&quot;2&quot;,&quot;code&quot;:&quot;\\begin{align*}\n{\\dot{S}}&amp;={-\\beta\\frac{SI}{S+I}}\\\\\n{\\dot{I}}&amp;={\\beta\\frac{SI}{S+I}-\\gamma I-\\nu I}\\\\\n{\\dot{R}}&amp;={\\gamma I}\\\\\n{\\dot{D}}&amp;={\\nu I}\t\n\\end{align*}&quot;,&quot;font&quot;:{&quot;size&quot;:12,&quot;family&quot;:&quot;Arial&quot;,&quot;color&quot;:&quot;black&quot;},&quot;type&quot;:&quot;align*&quot;},{&quot;id&quot;:&quot;3&quot;,&quot;code&quot;:&quot;\\begin{align*}\n{R\\left(t\\right)}&amp;={I\\left(t-14\\right)-D\\left(t\\right)}\\\\\n{A\\left(t\\right)}&amp;={I\\left(t+s\\right)}\t\n\\end{align*}&quot;,&quot;font&quot;:{&quot;size&quot;:12,&quot;family&quot;:&quot;Arial&quot;,&quot;color&quot;:&quot;black&quot;},&quot;type&quot;:&quot;align*&quot;},{&quot;id&quot;:&quot;4&quot;,&quot;code&quot;:&quot;$\\beta=b_{0}+\\frac{b_{1}}{1+\\left(b_{2}\\cdot I\\left(t-s\\right)\\right)^{b_{3}}}$&quot;,&quot;font&quot;:{&quot;size&quot;:12,&quot;family&quot;:&quot;Arial&quot;,&quot;color&quot;:&quot;black&quot;},&quot;type&quot;:&quot;$&quot;}]"/>
+    <we:property name="nextMathId" value="&quot;5&quot;"/>
+    <we:property name="sidebarState" value="&quot;[false,true,false,true]&quot;"/>
+  </we:properties>
+  <we:bindings/>
+  <we:snapshot xmlns:r="http://schemas.openxmlformats.org/officeDocument/2006/relationships"/>
+</we:webextension>
 </file>
--- a/Posters/Using Feedback and Vaccination Data to More Accurately Model and Predict the SARS-CoV-2 Pandemic.pptx
+++ b/Posters/Using Feedback and Vaccination Data to More Accurately Model and Predict the SARS-CoV-2 Pandemic.pptx
@@ -243,7 +243,7 @@
           <a:p>
             <a:fld id="{62BE2B66-B343-4A6F-9896-6FFEB2086BBB}" type="datetimeFigureOut">
               <a:rPr lang="en-US" smtClean="0"/>
-              <a:t>6/29/2021</a:t>
+              <a:t>6/30/2021</a:t>
             </a:fld>
             <a:endParaRPr lang="en-US"/>
           </a:p>
@@ -413,7 +413,7 @@
           <a:p>
             <a:fld id="{62BE2B66-B343-4A6F-9896-6FFEB2086BBB}" type="datetimeFigureOut">
               <a:rPr lang="en-US" smtClean="0"/>
-              <a:t>6/29/2021</a:t>
+              <a:t>6/30/2021</a:t>
             </a:fld>
             <a:endParaRPr lang="en-US"/>
           </a:p>
@@ -593,7 +593,7 @@
           <a:p>
             <a:fld id="{62BE2B66-B343-4A6F-9896-6FFEB2086BBB}" type="datetimeFigureOut">
               <a:rPr lang="en-US" smtClean="0"/>
-              <a:t>6/29/2021</a:t>
+              <a:t>6/30/2021</a:t>
             </a:fld>
             <a:endParaRPr lang="en-US"/>
           </a:p>
@@ -763,7 +763,7 @@
           <a:p>
             <a:fld id="{62BE2B66-B343-4A6F-9896-6FFEB2086BBB}" type="datetimeFigureOut">
               <a:rPr lang="en-US" smtClean="0"/>
-              <a:t>6/29/2021</a:t>
+              <a:t>6/30/2021</a:t>
             </a:fld>
             <a:endParaRPr lang="en-US"/>
           </a:p>
@@ -1007,7 +1007,7 @@
           <a:p>
             <a:fld id="{62BE2B66-B343-4A6F-9896-6FFEB2086BBB}" type="datetimeFigureOut">
               <a:rPr lang="en-US" smtClean="0"/>
-              <a:t>6/29/2021</a:t>
+              <a:t>6/30/2021</a:t>
             </a:fld>
             <a:endParaRPr lang="en-US"/>
           </a:p>
@@ -1239,7 +1239,7 @@
           <a:p>
             <a:fld id="{62BE2B66-B343-4A6F-9896-6FFEB2086BBB}" type="datetimeFigureOut">
               <a:rPr lang="en-US" smtClean="0"/>
-              <a:t>6/29/2021</a:t>
+              <a:t>6/30/2021</a:t>
             </a:fld>
             <a:endParaRPr lang="en-US"/>
           </a:p>
@@ -1606,7 +1606,7 @@
           <a:p>
             <a:fld id="{62BE2B66-B343-4A6F-9896-6FFEB2086BBB}" type="datetimeFigureOut">
               <a:rPr lang="en-US" smtClean="0"/>
-              <a:t>6/29/2021</a:t>
+              <a:t>6/30/2021</a:t>
             </a:fld>
             <a:endParaRPr lang="en-US"/>
           </a:p>
@@ -1724,7 +1724,7 @@
           <a:p>
             <a:fld id="{62BE2B66-B343-4A6F-9896-6FFEB2086BBB}" type="datetimeFigureOut">
               <a:rPr lang="en-US" smtClean="0"/>
-              <a:t>6/29/2021</a:t>
+              <a:t>6/30/2021</a:t>
             </a:fld>
             <a:endParaRPr lang="en-US"/>
           </a:p>
@@ -1819,7 +1819,7 @@
           <a:p>
             <a:fld id="{62BE2B66-B343-4A6F-9896-6FFEB2086BBB}" type="datetimeFigureOut">
               <a:rPr lang="en-US" smtClean="0"/>
-              <a:t>6/29/2021</a:t>
+              <a:t>6/30/2021</a:t>
             </a:fld>
             <a:endParaRPr lang="en-US"/>
           </a:p>
@@ -2096,7 +2096,7 @@
           <a:p>
             <a:fld id="{62BE2B66-B343-4A6F-9896-6FFEB2086BBB}" type="datetimeFigureOut">
               <a:rPr lang="en-US" smtClean="0"/>
-              <a:t>6/29/2021</a:t>
+              <a:t>6/30/2021</a:t>
             </a:fld>
             <a:endParaRPr lang="en-US"/>
           </a:p>
@@ -2353,7 +2353,7 @@
           <a:p>
             <a:fld id="{62BE2B66-B343-4A6F-9896-6FFEB2086BBB}" type="datetimeFigureOut">
               <a:rPr lang="en-US" smtClean="0"/>
-              <a:t>6/29/2021</a:t>
+              <a:t>6/30/2021</a:t>
             </a:fld>
             <a:endParaRPr lang="en-US"/>
           </a:p>
@@ -2566,7 +2566,7 @@
           <a:p>
             <a:fld id="{62BE2B66-B343-4A6F-9896-6FFEB2086BBB}" type="datetimeFigureOut">
               <a:rPr lang="en-US" smtClean="0"/>
-              <a:t>6/29/2021</a:t>
+              <a:t>6/30/2021</a:t>
             </a:fld>
             <a:endParaRPr lang="en-US"/>
           </a:p>
@@ -3180,8 +3180,8 @@
         </p:nvSpPr>
         <p:spPr>
           <a:xfrm>
-            <a:off x="266703" y="3842172"/>
-            <a:ext cx="12434366" cy="12369540"/>
+            <a:off x="266694" y="3734945"/>
+            <a:ext cx="12434366" cy="6940361"/>
           </a:xfrm>
           <a:prstGeom prst="rect">
             <a:avLst/>
@@ -3205,33 +3205,6 @@
               <a:rPr lang="en-US" sz="4000" dirty="0"/>
               <a:t>We compare the predictive power of several different disease models and their ability to model the transmission, recovery and death rates. The simplest disease model tracks the susceptible, infected, recovered, and dead populations over time (SIRD). We additionally use a model incorporating asymptomatic individuals (SAIRD) and add a degree of feedback to these models to better track the transmission rate. The inclusion of feedback enables the model to predict minor outbreak spikes, which is a major advantage over the basic SIRD model.</a:t>
             </a:r>
-          </a:p>
-          <a:p>
-            <a:endParaRPr lang="en-US" sz="5040" dirty="0"/>
-          </a:p>
-          <a:p>
-            <a:pPr algn="ctr"/>
-            <a:endParaRPr lang="en-US" sz="5040" dirty="0"/>
-          </a:p>
-          <a:p>
-            <a:pPr algn="ctr"/>
-            <a:endParaRPr lang="en-US" sz="5040" u="sng" dirty="0"/>
-          </a:p>
-          <a:p>
-            <a:pPr algn="ctr"/>
-            <a:endParaRPr lang="en-US" sz="5040" u="sng" dirty="0"/>
-          </a:p>
-          <a:p>
-            <a:pPr algn="ctr"/>
-            <a:endParaRPr lang="en-US" sz="5040" u="sng" dirty="0"/>
-          </a:p>
-          <a:p>
-            <a:pPr algn="ctr"/>
-            <a:endParaRPr lang="en-US" sz="5040" u="sng" dirty="0"/>
-          </a:p>
-          <a:p>
-            <a:pPr algn="ctr"/>
-            <a:endParaRPr lang="en-US" sz="5040" u="sng" dirty="0"/>
           </a:p>
         </p:txBody>
       </p:sp>
@@ -3249,7 +3222,7 @@
         </p:nvSpPr>
         <p:spPr>
           <a:xfrm>
-            <a:off x="465545" y="15573929"/>
+            <a:off x="465543" y="15357618"/>
             <a:ext cx="11885949" cy="8787021"/>
           </a:xfrm>
           <a:prstGeom prst="rect">
@@ -3344,7 +3317,7 @@
         </p:nvSpPr>
         <p:spPr>
           <a:xfrm>
-            <a:off x="266694" y="10848711"/>
+            <a:off x="266694" y="10675306"/>
             <a:ext cx="12283652" cy="4478149"/>
           </a:xfrm>
           <a:prstGeom prst="rect">
@@ -3386,8 +3359,8 @@
         </p:nvSpPr>
         <p:spPr>
           <a:xfrm>
-            <a:off x="25286982" y="8165966"/>
-            <a:ext cx="19539637" cy="867930"/>
+            <a:off x="25066160" y="3753950"/>
+            <a:ext cx="18558346" cy="10018127"/>
           </a:xfrm>
           <a:prstGeom prst="rect">
             <a:avLst/>
@@ -3402,15 +3375,66 @@
           <a:p>
             <a:pPr algn="ctr"/>
             <a:r>
-              <a:rPr lang="en-US" sz="5040" b="1" dirty="0">
-                <a:solidFill>
-                  <a:schemeClr val="accent1">
-                    <a:lumMod val="75000"/>
-                  </a:schemeClr>
-                </a:solidFill>
-              </a:rPr>
+              <a:rPr lang="en-US" sz="4500" b="1" dirty="0"/>
               <a:t>Results</a:t>
             </a:r>
+          </a:p>
+          <a:p>
+            <a:r>
+              <a:rPr lang="en-US" sz="4000" dirty="0"/>
+              <a:t>Modeling Transmission Rate in Italy and California:</a:t>
+            </a:r>
+          </a:p>
+          <a:p>
+            <a:endParaRPr lang="en-US" sz="4000" dirty="0"/>
+          </a:p>
+          <a:p>
+            <a:endParaRPr lang="en-US" sz="4000" dirty="0"/>
+          </a:p>
+          <a:p>
+            <a:endParaRPr lang="en-US" sz="4000" dirty="0"/>
+          </a:p>
+          <a:p>
+            <a:r>
+              <a:rPr lang="en-US" sz="4000" dirty="0"/>
+              <a:t>Predicting first wave decline:</a:t>
+            </a:r>
+          </a:p>
+          <a:p>
+            <a:endParaRPr lang="en-US" sz="4000" dirty="0"/>
+          </a:p>
+          <a:p>
+            <a:endParaRPr lang="en-US" sz="4000" dirty="0"/>
+          </a:p>
+          <a:p>
+            <a:r>
+              <a:rPr lang="en-US" sz="4000" dirty="0"/>
+              <a:t>Predicting first wave:</a:t>
+            </a:r>
+          </a:p>
+          <a:p>
+            <a:endParaRPr lang="en-US" sz="4000" dirty="0"/>
+          </a:p>
+          <a:p>
+            <a:endParaRPr lang="en-US" sz="4000" dirty="0"/>
+          </a:p>
+          <a:p>
+            <a:r>
+              <a:rPr lang="en-US" sz="4000" dirty="0"/>
+              <a:t>Predicting late-stage wave:</a:t>
+            </a:r>
+          </a:p>
+          <a:p>
+            <a:endParaRPr lang="en-US" sz="4000" dirty="0"/>
+          </a:p>
+          <a:p>
+            <a:endParaRPr lang="en-US" sz="4000" dirty="0"/>
+          </a:p>
+          <a:p>
+            <a:endParaRPr lang="en-US" sz="4000" dirty="0"/>
+          </a:p>
+          <a:p>
+            <a:endParaRPr lang="en-US" sz="4000" dirty="0"/>
           </a:p>
         </p:txBody>
       </p:sp>
@@ -3428,8 +3452,8 @@
         </p:nvSpPr>
         <p:spPr>
           <a:xfrm>
-            <a:off x="13499568" y="21729460"/>
-            <a:ext cx="20370557" cy="867930"/>
+            <a:off x="13029502" y="21729460"/>
+            <a:ext cx="20840624" cy="784830"/>
           </a:xfrm>
           <a:prstGeom prst="rect">
             <a:avLst/>
@@ -3444,13 +3468,7 @@
           <a:p>
             <a:pPr algn="ctr"/>
             <a:r>
-              <a:rPr lang="en-US" sz="5040" b="1" dirty="0">
-                <a:solidFill>
-                  <a:schemeClr val="accent1">
-                    <a:lumMod val="75000"/>
-                  </a:schemeClr>
-                </a:solidFill>
-              </a:rPr>
+              <a:rPr lang="en-US" sz="4500" b="1" dirty="0"/>
               <a:t>Conclusion</a:t>
             </a:r>
           </a:p>
@@ -3471,7 +3489,7 @@
         <p:spPr>
           <a:xfrm>
             <a:off x="35243827" y="21729469"/>
-            <a:ext cx="7912490" cy="867930"/>
+            <a:ext cx="7912490" cy="784830"/>
           </a:xfrm>
           <a:prstGeom prst="rect">
             <a:avLst/>
@@ -3486,14 +3504,171 @@
           <a:p>
             <a:pPr algn="ctr"/>
             <a:r>
-              <a:rPr lang="en-US" sz="5040" b="1" dirty="0">
-                <a:solidFill>
-                  <a:schemeClr val="accent1">
-                    <a:lumMod val="75000"/>
-                  </a:schemeClr>
-                </a:solidFill>
+              <a:rPr lang="en-US" sz="4500" b="1" dirty="0"/>
+              <a:t>References</a:t>
+            </a:r>
+          </a:p>
+        </p:txBody>
+      </p:sp>
+      <p:sp>
+        <p:nvSpPr>
+          <p:cNvPr id="18" name="TextBox 17">
+            <a:extLst>
+              <a:ext uri="{FF2B5EF4-FFF2-40B4-BE49-F238E27FC236}">
+                <a16:creationId xmlns:a16="http://schemas.microsoft.com/office/drawing/2014/main" id="{FE17A449-293F-4E77-9C85-626392C3C7BF}"/>
+              </a:ext>
+            </a:extLst>
+          </p:cNvPr>
+          <p:cNvSpPr txBox="1"/>
+          <p:nvPr/>
+        </p:nvSpPr>
+        <p:spPr>
+          <a:xfrm>
+            <a:off x="12922373" y="3559125"/>
+            <a:ext cx="12049676" cy="16173658"/>
+          </a:xfrm>
+          <a:prstGeom prst="rect">
+            <a:avLst/>
+          </a:prstGeom>
+          <a:noFill/>
+        </p:spPr>
+        <p:txBody>
+          <a:bodyPr wrap="square">
+            <a:spAutoFit/>
+          </a:bodyPr>
+          <a:lstStyle/>
+          <a:p>
+            <a:pPr algn="ctr"/>
+            <a:r>
+              <a:rPr lang="en-US" sz="4500" b="1" dirty="0"/>
+              <a:t>Models</a:t>
+            </a:r>
+          </a:p>
+          <a:p>
+            <a:r>
+              <a:rPr lang="en-US" sz="4000" b="1" dirty="0"/>
+              <a:t>SIRD:</a:t>
+            </a:r>
+          </a:p>
+          <a:p>
+            <a:r>
+              <a:rPr lang="en-US" sz="4000" dirty="0"/>
+              <a:t>The SIRD model </a:t>
+            </a:r>
+          </a:p>
+          <a:p>
+            <a:r>
+              <a:rPr lang="en-US" sz="4000" dirty="0"/>
+              <a:t>--</a:t>
+            </a:r>
+          </a:p>
+          <a:p>
+            <a:r>
+              <a:rPr lang="en-US" sz="4000" dirty="0"/>
+              <a:t> </a:t>
+            </a:r>
+          </a:p>
+          <a:p>
+            <a:endParaRPr lang="en-US" sz="4000" dirty="0"/>
+          </a:p>
+          <a:p>
+            <a:endParaRPr lang="en-US" sz="4000" dirty="0"/>
+          </a:p>
+          <a:p>
+            <a:r>
+              <a:rPr lang="en-US" sz="4000" b="1" dirty="0"/>
+              <a:t>SAIRD:</a:t>
+            </a:r>
+          </a:p>
+          <a:p>
+            <a:endParaRPr lang="en-US" sz="4000" dirty="0"/>
+          </a:p>
+          <a:p>
+            <a:endParaRPr lang="en-US" sz="4000" dirty="0"/>
+          </a:p>
+          <a:p>
+            <a:endParaRPr lang="en-US" sz="4000" dirty="0"/>
+          </a:p>
+          <a:p>
+            <a:r>
+              <a:rPr lang="en-US" sz="4000" b="1" dirty="0"/>
+              <a:t>SIRD+V:</a:t>
+            </a:r>
+          </a:p>
+          <a:p>
+            <a:endParaRPr lang="en-US" sz="4000" dirty="0"/>
+          </a:p>
+          <a:p>
+            <a:endParaRPr lang="en-US" sz="4000" dirty="0"/>
+          </a:p>
+          <a:p>
+            <a:endParaRPr lang="en-US" sz="4000" dirty="0"/>
+          </a:p>
+          <a:p>
+            <a:r>
+              <a:rPr lang="en-US" sz="4000" b="1" dirty="0"/>
+              <a:t>Feedback SIRD:</a:t>
+            </a:r>
+          </a:p>
+          <a:p>
+            <a:r>
+              <a:rPr lang="en-US" sz="4000" dirty="0"/>
+              <a:t>This model is identical to the SIRD model except for the transmission rate parameter, </a:t>
+            </a:r>
+            <a:r>
+              <a:rPr lang="el-GR" sz="4000" i="1" dirty="0">
+                <a:latin typeface="Cambria Math" panose="02040503050406030204" pitchFamily="18" charset="0"/>
+                <a:ea typeface="Cambria Math" panose="02040503050406030204" pitchFamily="18" charset="0"/>
               </a:rPr>
-              <a:t>References</a:t>
+              <a:t>β</a:t>
+            </a:r>
+            <a:r>
+              <a:rPr lang="en-US" sz="4000" dirty="0"/>
+              <a:t>. Beta is replaced with a time varying function depending on the current infections with a shift, </a:t>
+            </a:r>
+            <a:r>
+              <a:rPr lang="en-US" sz="4000" i="1" dirty="0"/>
+              <a:t>s </a:t>
+            </a:r>
+            <a:r>
+              <a:rPr lang="en-US" sz="4000" dirty="0"/>
+              <a:t>(typically s=14). The nature of </a:t>
+            </a:r>
+            <a:r>
+              <a:rPr lang="el-GR" sz="4000" i="1" dirty="0">
+                <a:latin typeface="Cambria Math" panose="02040503050406030204" pitchFamily="18" charset="0"/>
+                <a:ea typeface="Cambria Math" panose="02040503050406030204" pitchFamily="18" charset="0"/>
+              </a:rPr>
+              <a:t>β</a:t>
+            </a:r>
+            <a:r>
+              <a:rPr lang="en-US" sz="4000" i="1" dirty="0">
+                <a:latin typeface="Cambria Math" panose="02040503050406030204" pitchFamily="18" charset="0"/>
+                <a:ea typeface="Cambria Math" panose="02040503050406030204" pitchFamily="18" charset="0"/>
+              </a:rPr>
+              <a:t> </a:t>
+            </a:r>
+            <a:r>
+              <a:rPr lang="en-US" sz="4000" dirty="0">
+                <a:latin typeface="Cambria Math" panose="02040503050406030204" pitchFamily="18" charset="0"/>
+                <a:ea typeface="Cambria Math" panose="02040503050406030204" pitchFamily="18" charset="0"/>
+              </a:rPr>
+              <a:t>is that in times high infections, the transmission rate will decrease after some delay and then rise back again when infections have decreased.</a:t>
+            </a:r>
+          </a:p>
+          <a:p>
+            <a:endParaRPr lang="en-US" sz="4000" dirty="0">
+              <a:latin typeface="Cambria Math" panose="02040503050406030204" pitchFamily="18" charset="0"/>
+              <a:ea typeface="Cambria Math" panose="02040503050406030204" pitchFamily="18" charset="0"/>
+            </a:endParaRPr>
+          </a:p>
+          <a:p>
+            <a:endParaRPr lang="en-US" sz="4000" dirty="0"/>
+          </a:p>
+          <a:p>
+            <a:r>
+              <a:rPr lang="en-US" sz="4000" b="1" dirty="0"/>
+              <a:t>Feedback SAIRD:</a:t>
             </a:r>
           </a:p>
         </p:txBody>
@@ -3520,8 +3695,98 @@
         </p:blipFill>
         <p:spPr>
           <a:xfrm>
-            <a:off x="22421381" y="4795301"/>
-            <a:ext cx="1805424" cy="2570870"/>
+            <a:off x="22895654" y="6159728"/>
+            <a:ext cx="1158899" cy="1650237"/>
+          </a:xfrm>
+          <a:prstGeom prst="rect">
+            <a:avLst/>
+          </a:prstGeom>
+        </p:spPr>
+      </p:pic>
+      <p:pic>
+        <p:nvPicPr>
+          <p:cNvPr id="7" name="Picture 6">
+            <a:extLst>
+              <a:ext uri="{FF2B5EF4-FFF2-40B4-BE49-F238E27FC236}">
+                <a16:creationId xmlns:a16="http://schemas.microsoft.com/office/drawing/2014/main" id="{AE5DD4C9-4FB9-44C1-855A-951BB15BEC42}"/>
+              </a:ext>
+            </a:extLst>
+          </p:cNvPr>
+          <p:cNvPicPr>
+            <a:picLocks/>
+          </p:cNvPicPr>
+          <p:nvPr/>
+        </p:nvPicPr>
+        <p:blipFill>
+          <a:blip r:embed="rId3"/>
+          <a:stretch>
+            <a:fillRect/>
+          </a:stretch>
+        </p:blipFill>
+        <p:spPr>
+          <a:xfrm>
+            <a:off x="19162437" y="18444184"/>
+            <a:ext cx="3543375" cy="646055"/>
+          </a:xfrm>
+          <a:prstGeom prst="rect">
+            <a:avLst/>
+          </a:prstGeom>
+        </p:spPr>
+      </p:pic>
+      <p:pic>
+        <p:nvPicPr>
+          <p:cNvPr id="10" name="Picture 9">
+            <a:extLst>
+              <a:ext uri="{FF2B5EF4-FFF2-40B4-BE49-F238E27FC236}">
+                <a16:creationId xmlns:a16="http://schemas.microsoft.com/office/drawing/2014/main" id="{24142CC9-C397-4D3E-AB7F-8FBB3FF7433E}"/>
+              </a:ext>
+            </a:extLst>
+          </p:cNvPr>
+          <p:cNvPicPr>
+            <a:picLocks/>
+          </p:cNvPicPr>
+          <p:nvPr/>
+        </p:nvPicPr>
+        <p:blipFill>
+          <a:blip r:embed="rId4"/>
+          <a:stretch>
+            <a:fillRect/>
+          </a:stretch>
+        </p:blipFill>
+        <p:spPr>
+          <a:xfrm>
+            <a:off x="23017501" y="10903397"/>
+            <a:ext cx="1144281" cy="2276125"/>
+          </a:xfrm>
+          <a:prstGeom prst="rect">
+            <a:avLst/>
+          </a:prstGeom>
+        </p:spPr>
+      </p:pic>
+      <p:pic>
+        <p:nvPicPr>
+          <p:cNvPr id="5" name="Picture 4">
+            <a:extLst>
+              <a:ext uri="{FF2B5EF4-FFF2-40B4-BE49-F238E27FC236}">
+                <a16:creationId xmlns:a16="http://schemas.microsoft.com/office/drawing/2014/main" id="{05F0B7D5-928B-4CB6-85C3-AF8C5B4714FF}"/>
+              </a:ext>
+            </a:extLst>
+          </p:cNvPr>
+          <p:cNvPicPr>
+            <a:picLocks/>
+          </p:cNvPicPr>
+          <p:nvPr/>
+        </p:nvPicPr>
+        <p:blipFill>
+          <a:blip r:embed="rId5"/>
+          <a:stretch>
+            <a:fillRect/>
+          </a:stretch>
+        </p:blipFill>
+        <p:spPr>
+          <a:xfrm>
+            <a:off x="4103533" y="23107947"/>
+            <a:ext cx="4609971" cy="1036692"/>
           </a:xfrm>
           <a:prstGeom prst="rect">
             <a:avLst/>
@@ -3543,15 +3808,15 @@
           <p:nvPr/>
         </p:nvPicPr>
         <p:blipFill>
-          <a:blip r:embed="rId3"/>
+          <a:blip r:embed="rId6"/>
           <a:stretch>
             <a:fillRect/>
           </a:stretch>
         </p:blipFill>
         <p:spPr>
           <a:xfrm>
-            <a:off x="20682064" y="8599931"/>
-            <a:ext cx="4066090" cy="3074361"/>
+            <a:off x="22248688" y="3760318"/>
+            <a:ext cx="2530791" cy="1913525"/>
           </a:xfrm>
           <a:prstGeom prst="rect">
             <a:avLst/>
@@ -3560,10 +3825,10 @@
       </p:pic>
       <p:pic>
         <p:nvPicPr>
-          <p:cNvPr id="5" name="Picture 4">
+          <p:cNvPr id="11" name="Picture 10">
             <a:extLst>
               <a:ext uri="{FF2B5EF4-FFF2-40B4-BE49-F238E27FC236}">
-                <a16:creationId xmlns:a16="http://schemas.microsoft.com/office/drawing/2014/main" id="{05F0B7D5-928B-4CB6-85C3-AF8C5B4714FF}"/>
+                <a16:creationId xmlns:a16="http://schemas.microsoft.com/office/drawing/2014/main" id="{DA7A0A3D-B8C7-4EDA-AB28-B4EED4937876}"/>
               </a:ext>
             </a:extLst>
           </p:cNvPr>
@@ -3573,51 +3838,59 @@
           <p:nvPr/>
         </p:nvPicPr>
         <p:blipFill>
-          <a:blip r:embed="rId4"/>
+          <a:blip r:embed="rId7"/>
           <a:stretch>
             <a:fillRect/>
           </a:stretch>
         </p:blipFill>
         <p:spPr>
           <a:xfrm>
-            <a:off x="4103533" y="23107947"/>
-            <a:ext cx="4609971" cy="1036692"/>
+            <a:off x="22933836" y="8272030"/>
+            <a:ext cx="1120717" cy="1988722"/>
           </a:xfrm>
           <a:prstGeom prst="rect">
             <a:avLst/>
           </a:prstGeom>
         </p:spPr>
       </p:pic>
-      <p:pic>
-        <p:nvPicPr>
-          <p:cNvPr id="7" name="Picture 6">
+      <p:cxnSp>
+        <p:nvCxnSpPr>
+          <p:cNvPr id="24" name="Straight Connector 23">
             <a:extLst>
               <a:ext uri="{FF2B5EF4-FFF2-40B4-BE49-F238E27FC236}">
-                <a16:creationId xmlns:a16="http://schemas.microsoft.com/office/drawing/2014/main" id="{AE5DD4C9-4FB9-44C1-855A-951BB15BEC42}"/>
+                <a16:creationId xmlns:a16="http://schemas.microsoft.com/office/drawing/2014/main" id="{645B5B54-4AB1-4666-A048-0FB2F6011275}"/>
               </a:ext>
             </a:extLst>
           </p:cNvPr>
-          <p:cNvPicPr>
-            <a:picLocks/>
-          </p:cNvPicPr>
+          <p:cNvCxnSpPr>
+            <a:cxnSpLocks/>
+          </p:cNvCxnSpPr>
           <p:nvPr/>
-        </p:nvPicPr>
-        <p:blipFill>
-          <a:blip r:embed="rId5"/>
-          <a:stretch>
-            <a:fillRect/>
-          </a:stretch>
-        </p:blipFill>
-        <p:spPr>
-          <a:xfrm>
-            <a:off x="15749177" y="13462634"/>
-            <a:ext cx="5769702" cy="1051975"/>
-          </a:xfrm>
-          <a:prstGeom prst="rect">
+        </p:nvCxnSpPr>
+        <p:spPr>
+          <a:xfrm flipV="1">
+            <a:off x="33921034" y="21359210"/>
+            <a:ext cx="0" cy="11559191"/>
+          </a:xfrm>
+          <a:prstGeom prst="line">
             <a:avLst/>
           </a:prstGeom>
         </p:spPr>
-      </p:pic>
+        <p:style>
+          <a:lnRef idx="1">
+            <a:schemeClr val="dk1"/>
+          </a:lnRef>
+          <a:fillRef idx="0">
+            <a:schemeClr val="dk1"/>
+          </a:fillRef>
+          <a:effectRef idx="0">
+            <a:schemeClr val="dk1"/>
+          </a:effectRef>
+          <a:fontRef idx="minor">
+            <a:schemeClr val="tx1"/>
+          </a:fontRef>
+        </p:style>
+      </p:cxnSp>
     </p:spTree>
     <p:extLst>
       <p:ext uri="{BB962C8B-B14F-4D97-AF65-F5344CB8AC3E}">
@@ -3894,7 +4167,7 @@
 
 <file path=ppt/webextensions/taskpanes.xml><?xml version="1.0" encoding="utf-8"?>
 <wetp:taskpanes xmlns:wetp="http://schemas.microsoft.com/office/webextensions/taskpanes/2010/11">
-  <wetp:taskpane dockstate="right" visibility="0" width="438" row="2">
+  <wetp:taskpane dockstate="right" visibility="0" width="350" row="1">
     <wetp:webextensionref xmlns:r="http://schemas.openxmlformats.org/officeDocument/2006/relationships" r:id="rId1"/>
   </wetp:taskpane>
 </wetp:taskpanes>
@@ -3907,8 +4180,8 @@
     <we:reference id="wa200002290" version="1.0.0.3" store="WA200002290" storeType="OMEX"/>
   </we:alternateReferences>
   <we:properties>
-    <we:property name="mathList" value="[{&quot;id&quot;:&quot;1&quot;,&quot;code&quot;:&quot;\\begin{gather*}\n{S+I{\\dmathop{\\longrightarrow}_{}^{\\beta}}I}\\\\\n{I{\\dmathop{\\longrightarrow}_{}^{\\gamma}}R}\\\\\n{I{\\dmathop{\\longrightarrow}_{}^{\\nu}}D}\t\n\\end{gather*}&quot;,&quot;font&quot;:{&quot;size&quot;:12,&quot;family&quot;:&quot;Arial&quot;,&quot;color&quot;:&quot;black&quot;},&quot;type&quot;:&quot;gather*&quot;},{&quot;id&quot;:&quot;2&quot;,&quot;code&quot;:&quot;\\begin{align*}\n{\\dot{S}}&amp;={-\\beta\\frac{SI}{S+I}}\\\\\n{\\dot{I}}&amp;={\\beta\\frac{SI}{S+I}-\\gamma I-\\nu I}\\\\\n{\\dot{R}}&amp;={\\gamma I}\\\\\n{\\dot{D}}&amp;={\\nu I}\t\n\\end{align*}&quot;,&quot;font&quot;:{&quot;size&quot;:12,&quot;family&quot;:&quot;Arial&quot;,&quot;color&quot;:&quot;black&quot;},&quot;type&quot;:&quot;align*&quot;},{&quot;id&quot;:&quot;3&quot;,&quot;code&quot;:&quot;\\begin{align*}\n{R\\left(t\\right)}&amp;={I\\left(t-14\\right)-D\\left(t\\right)}\\\\\n{A\\left(t\\right)}&amp;={I\\left(t+s\\right)}\t\n\\end{align*}&quot;,&quot;font&quot;:{&quot;size&quot;:12,&quot;family&quot;:&quot;Arial&quot;,&quot;color&quot;:&quot;black&quot;},&quot;type&quot;:&quot;align*&quot;},{&quot;id&quot;:&quot;4&quot;,&quot;code&quot;:&quot;$\\beta=b_{0}+\\frac{b_{1}}{1+\\left(b_{2}\\cdot I\\left(t-s\\right)\\right)^{b_{3}}}$&quot;,&quot;font&quot;:{&quot;size&quot;:12,&quot;family&quot;:&quot;Arial&quot;,&quot;color&quot;:&quot;black&quot;},&quot;type&quot;:&quot;$&quot;}]"/>
-    <we:property name="nextMathId" value="&quot;5&quot;"/>
+    <we:property name="mathList" value="[{&quot;id&quot;:&quot;3&quot;,&quot;code&quot;:&quot;\\begin{align*}\n{R\\left(t\\right)}&amp;={I\\left(t-14\\right)-D\\left(t\\right)}\\\\\n{A\\left(t\\right)}&amp;={I\\left(t+s\\right)}\t\n\\end{align*}&quot;,&quot;font&quot;:{&quot;size&quot;:12,&quot;family&quot;:&quot;Arial&quot;,&quot;color&quot;:&quot;black&quot;},&quot;type&quot;:&quot;align*&quot;},{&quot;id&quot;:&quot;4&quot;,&quot;code&quot;:&quot;$\\beta=b_{0}+\\frac{b_{1}}{1+\\left(b_{2}\\cdot I\\left(t-s\\right)\\right)^{b_{3}}}$&quot;,&quot;font&quot;:{&quot;size&quot;:12,&quot;family&quot;:&quot;Arial&quot;,&quot;color&quot;:&quot;black&quot;},&quot;type&quot;:&quot;$&quot;},{&quot;id&quot;:&quot;5&quot;,&quot;code&quot;:&quot;\\begin{gather*}\n{S+A{\\dmathop{\\longrightarrow}_{}^{\\beta}}A}\\\\\n{A{\\dmathop{\\longrightarrow}_{}^{\\kappa}}I}\\\\\n{I{\\dmathop{\\longrightarrow}_{}^{\\gamma}}R}\\\\\n{I{\\dmathop{\\longrightarrow}_{}^{\\nu}}R}\t\n\\end{gather*}&quot;,&quot;font&quot;:{&quot;size&quot;:12,&quot;family&quot;:&quot;Arial&quot;,&quot;color&quot;:&quot;black&quot;},&quot;type&quot;:&quot;gather*&quot;},{&quot;id&quot;:&quot;6&quot;,&quot;code&quot;:&quot;\\begin{gather*}\n{S+I{\\dmathop{\\longrightarrow}_{}^{\\beta}}I}\\\\\n{I{\\dmathop{\\longrightarrow}_{}^{\\gamma}}R}\\\\\n{I{\\dmathop{\\longrightarrow}_{}^{\\nu}}D}\\\\\n{S\\longrightarrow V}\\\\\n{R\\longrightarrow V}\t\n\\end{gather*}&quot;,&quot;font&quot;:{&quot;size&quot;:12,&quot;family&quot;:&quot;Arial&quot;,&quot;color&quot;:&quot;black&quot;},&quot;type&quot;:&quot;gather*&quot;},{&quot;id&quot;:&quot;7&quot;,&quot;code&quot;:&quot;\\begin{gather*}\n{S+A{\\dmathop{\\longrightarrow}_{}^{\\beta}}A}\\\\\n{A{\\dmathop{\\longrightarrow}_{}^{\\kappa}}I}\\\\\n{I{\\dmathop{\\longrightarrow R}_{}^{\\gamma}}}\\\\\n{I{\\dmathop{\\longrightarrow D}_{}^{\\nu}}}\t\n\\end{gather*}&quot;,&quot;font&quot;:{&quot;size&quot;:12,&quot;family&quot;:&quot;Arial&quot;,&quot;color&quot;:&quot;black&quot;},&quot;type&quot;:&quot;gather*&quot;}]"/>
+    <we:property name="nextMathId" value="&quot;8&quot;"/>
     <we:property name="sidebarState" value="&quot;[false,true,false,true]&quot;"/>
   </we:properties>
   <we:bindings/>

--- a/Posters/Using Feedback and Vaccination Data to More Accurately Model and Predict the SARS-CoV-2 Pandemic.pptx
+++ b/Posters/Using Feedback and Vaccination Data to More Accurately Model and Predict the SARS-CoV-2 Pandemic.pptx
@@ -3222,8 +3222,8 @@
         </p:nvSpPr>
         <p:spPr>
           <a:xfrm>
-            <a:off x="465543" y="15357618"/>
-            <a:ext cx="11885949" cy="8787021"/>
+            <a:off x="266694" y="15357618"/>
+            <a:ext cx="12283647" cy="8171468"/>
           </a:xfrm>
           <a:prstGeom prst="rect">
             <a:avLst/>
@@ -3245,7 +3245,15 @@
           <a:p>
             <a:r>
               <a:rPr lang="en-US" sz="4000" dirty="0"/>
-              <a:t>Due to the nature of the data, not all infections, recoveries, and deaths are recorded. Therefore, a scaling factor to I, R, D must be used to properly model these populations. This value, q, is solved by gridding values and minimizing an objective function.</a:t>
+              <a:t>Due to the nature of the data, not </a:t>
+            </a:r>
+            <a:r>
+              <a:rPr lang="en-US" sz="4000"/>
+              <a:t>all infections, </a:t>
+            </a:r>
+            <a:r>
+              <a:rPr lang="en-US" sz="4000" dirty="0"/>
+              <a:t>recoveries, and deaths are recorded. Therefore, a scaling factor to I, R, D must be used to properly model these populations. This value, q, is solved by gridding values and minimizing an objective function</a:t>
             </a:r>
           </a:p>
           <a:p>
@@ -3360,7 +3368,7 @@
         <p:spPr>
           <a:xfrm>
             <a:off x="25066160" y="3753950"/>
-            <a:ext cx="18558346" cy="10018127"/>
+            <a:ext cx="18558346" cy="16173658"/>
           </a:xfrm>
           <a:prstGeom prst="rect">
             <a:avLst/>
@@ -3382,7 +3390,7 @@
           <a:p>
             <a:r>
               <a:rPr lang="en-US" sz="4000" dirty="0"/>
-              <a:t>Modeling Transmission Rate in Italy and California:</a:t>
+              <a:t>Modeling Transmission Rate in Italy and California: (graph over time, constant, and feedback)</a:t>
             </a:r>
           </a:p>
           <a:p>
@@ -3397,7 +3405,7 @@
           <a:p>
             <a:r>
               <a:rPr lang="en-US" sz="4000" dirty="0"/>
-              <a:t>Predicting first wave decline:</a:t>
+              <a:t>Predicting first wave decline: (all models should do moderately well here)</a:t>
             </a:r>
           </a:p>
           <a:p>
@@ -3407,9 +3415,29 @@
             <a:endParaRPr lang="en-US" sz="4000" dirty="0"/>
           </a:p>
           <a:p>
+            <a:endParaRPr lang="en-US" sz="4000" dirty="0"/>
+          </a:p>
+          <a:p>
+            <a:endParaRPr lang="en-US" sz="4000" dirty="0"/>
+          </a:p>
+          <a:p>
+            <a:endParaRPr lang="en-US" sz="4000" dirty="0"/>
+          </a:p>
+          <a:p>
+            <a:endParaRPr lang="en-US" sz="4000" dirty="0"/>
+          </a:p>
+          <a:p>
             <a:r>
               <a:rPr lang="en-US" sz="4000" dirty="0"/>
-              <a:t>Predicting first wave:</a:t>
+              <a:t>Predicting first wave: (</a:t>
+            </a:r>
+            <a:r>
+              <a:rPr lang="en-US" sz="4000" dirty="0" err="1"/>
+              <a:t>sird</a:t>
+            </a:r>
+            <a:r>
+              <a:rPr lang="en-US" sz="4000" dirty="0"/>
+              <a:t> should spike wildly, feedback should model somewhat well)</a:t>
             </a:r>
           </a:p>
           <a:p>
@@ -3419,10 +3447,33 @@
             <a:endParaRPr lang="en-US" sz="4000" dirty="0"/>
           </a:p>
           <a:p>
+            <a:endParaRPr lang="en-US" sz="4000" dirty="0"/>
+          </a:p>
+          <a:p>
+            <a:endParaRPr lang="en-US" sz="4000" dirty="0"/>
+          </a:p>
+          <a:p>
+            <a:endParaRPr lang="en-US" sz="4000" dirty="0"/>
+          </a:p>
+          <a:p>
+            <a:endParaRPr lang="en-US" sz="4000" dirty="0"/>
+          </a:p>
+          <a:p>
             <a:r>
               <a:rPr lang="en-US" sz="4000" dirty="0"/>
-              <a:t>Predicting late-stage wave:</a:t>
-            </a:r>
+              <a:t>Predicting late-stage wave: (</a:t>
+            </a:r>
+            <a:r>
+              <a:rPr lang="en-US" sz="4000" dirty="0" err="1"/>
+              <a:t>sird</a:t>
+            </a:r>
+            <a:r>
+              <a:rPr lang="en-US" sz="4000" dirty="0"/>
+              <a:t> should spike, feedback should model somewhat well)</a:t>
+            </a:r>
+          </a:p>
+          <a:p>
+            <a:endParaRPr lang="en-US" sz="4000" dirty="0"/>
           </a:p>
           <a:p>
             <a:endParaRPr lang="en-US" sz="4000" dirty="0"/>
@@ -3524,8 +3575,8 @@
         </p:nvSpPr>
         <p:spPr>
           <a:xfrm>
-            <a:off x="12922373" y="3559125"/>
-            <a:ext cx="12049676" cy="16173658"/>
+            <a:off x="12922372" y="3559125"/>
+            <a:ext cx="10257786" cy="17943374"/>
           </a:xfrm>
           <a:prstGeom prst="rect">
             <a:avLst/>
@@ -3538,53 +3589,16 @@
           </a:bodyPr>
           <a:lstStyle/>
           <a:p>
-            <a:pPr algn="ctr"/>
-            <a:r>
-              <a:rPr lang="en-US" sz="4500" b="1" dirty="0"/>
-              <a:t>Models</a:t>
-            </a:r>
-          </a:p>
-          <a:p>
-            <a:r>
-              <a:rPr lang="en-US" sz="4000" b="1" dirty="0"/>
-              <a:t>SIRD:</a:t>
-            </a:r>
-          </a:p>
-          <a:p>
-            <a:r>
-              <a:rPr lang="en-US" sz="4000" dirty="0"/>
-              <a:t>The SIRD model </a:t>
-            </a:r>
-          </a:p>
-          <a:p>
-            <a:r>
-              <a:rPr lang="en-US" sz="4000" dirty="0"/>
-              <a:t>--</a:t>
-            </a:r>
-          </a:p>
-          <a:p>
-            <a:r>
-              <a:rPr lang="en-US" sz="4000" dirty="0"/>
-              <a:t> </a:t>
-            </a:r>
-          </a:p>
-          <a:p>
-            <a:endParaRPr lang="en-US" sz="4000" dirty="0"/>
-          </a:p>
-          <a:p>
-            <a:endParaRPr lang="en-US" sz="4000" dirty="0"/>
-          </a:p>
-          <a:p>
             <a:r>
               <a:rPr lang="en-US" sz="4000" b="1" dirty="0"/>
               <a:t>SAIRD:</a:t>
             </a:r>
           </a:p>
           <a:p>
-            <a:endParaRPr lang="en-US" sz="4000" dirty="0"/>
-          </a:p>
-          <a:p>
-            <a:endParaRPr lang="en-US" sz="4000" dirty="0"/>
+            <a:r>
+              <a:rPr lang="en-US" sz="4000" dirty="0"/>
+              <a:t>The SAIRD model is similar to the SIRD model but introduces an asymptomatic population (see methods/approach for asymptomatic approximation). The population interactions can be seen on the right.</a:t>
+            </a:r>
           </a:p>
           <a:p>
             <a:endParaRPr lang="en-US" sz="4000" dirty="0"/>
@@ -3596,10 +3610,10 @@
             </a:r>
           </a:p>
           <a:p>
-            <a:endParaRPr lang="en-US" sz="4000" dirty="0"/>
-          </a:p>
-          <a:p>
-            <a:endParaRPr lang="en-US" sz="4000" dirty="0"/>
+            <a:r>
+              <a:rPr lang="en-US" sz="4000" dirty="0"/>
+              <a:t>The SIRD+V model introduces a vaccinated population group. This model assumes that susceptible and recovered individuals will exit at the same rate into the vaccination rate. </a:t>
+            </a:r>
           </a:p>
           <a:p>
             <a:endParaRPr lang="en-US" sz="4000" dirty="0"/>
@@ -3624,7 +3638,7 @@
             </a:r>
             <a:r>
               <a:rPr lang="en-US" sz="4000" dirty="0"/>
-              <a:t>. Beta is replaced with a time varying function depending on the current infections with a shift, </a:t>
+              <a:t>. Beta is replaced with a time varying function depending on the current infections with a delay, </a:t>
             </a:r>
             <a:r>
               <a:rPr lang="en-US" sz="4000" i="1" dirty="0"/>
@@ -3653,14 +3667,8 @@
                 <a:latin typeface="Cambria Math" panose="02040503050406030204" pitchFamily="18" charset="0"/>
                 <a:ea typeface="Cambria Math" panose="02040503050406030204" pitchFamily="18" charset="0"/>
               </a:rPr>
-              <a:t>is that in times high infections, the transmission rate will decrease after some delay and then rise back again when infections have decreased.</a:t>
-            </a:r>
-          </a:p>
-          <a:p>
-            <a:endParaRPr lang="en-US" sz="4000" dirty="0">
-              <a:latin typeface="Cambria Math" panose="02040503050406030204" pitchFamily="18" charset="0"/>
-              <a:ea typeface="Cambria Math" panose="02040503050406030204" pitchFamily="18" charset="0"/>
-            </a:endParaRPr>
+              <a:t>is that in times of high infections, the transmission rate will decrease after some delay and then rise back again when infections have decreased.</a:t>
+            </a:r>
           </a:p>
           <a:p>
             <a:endParaRPr lang="en-US" sz="4000" dirty="0"/>
@@ -3669,6 +3677,12 @@
             <a:r>
               <a:rPr lang="en-US" sz="4000" b="1" dirty="0"/>
               <a:t>Feedback SAIRD:</a:t>
+            </a:r>
+          </a:p>
+          <a:p>
+            <a:r>
+              <a:rPr lang="en-US" sz="4000" dirty="0"/>
+              <a:t>The SAIRD feedback introduces the same model additions to the SAIRD model as the SIRD feedback does to the SIRD model, with the exception that the delay is modeled inherently by the asymptomatic to infected interaction.</a:t>
             </a:r>
           </a:p>
         </p:txBody>
@@ -3695,8 +3709,8 @@
         </p:blipFill>
         <p:spPr>
           <a:xfrm>
-            <a:off x="22895654" y="6159728"/>
-            <a:ext cx="1158899" cy="1650237"/>
+            <a:off x="10048836" y="25579908"/>
+            <a:ext cx="1900278" cy="2705938"/>
           </a:xfrm>
           <a:prstGeom prst="rect">
             <a:avLst/>
@@ -3725,8 +3739,8 @@
         </p:blipFill>
         <p:spPr>
           <a:xfrm>
-            <a:off x="19162437" y="18444184"/>
-            <a:ext cx="3543375" cy="646055"/>
+            <a:off x="20642335" y="17218294"/>
+            <a:ext cx="3792170" cy="691417"/>
           </a:xfrm>
           <a:prstGeom prst="rect">
             <a:avLst/>
@@ -3755,8 +3769,8 @@
         </p:blipFill>
         <p:spPr>
           <a:xfrm>
-            <a:off x="23017501" y="10903397"/>
-            <a:ext cx="1144281" cy="2276125"/>
+            <a:off x="23180159" y="8421410"/>
+            <a:ext cx="1451299" cy="2886824"/>
           </a:xfrm>
           <a:prstGeom prst="rect">
             <a:avLst/>
@@ -3815,8 +3829,8 @@
         </p:blipFill>
         <p:spPr>
           <a:xfrm>
-            <a:off x="22248688" y="3760318"/>
-            <a:ext cx="2530791" cy="1913525"/>
+            <a:off x="8971522" y="29494323"/>
+            <a:ext cx="3578819" cy="2705937"/>
           </a:xfrm>
           <a:prstGeom prst="rect">
             <a:avLst/>
@@ -3845,8 +3859,8 @@
         </p:blipFill>
         <p:spPr>
           <a:xfrm>
-            <a:off x="22933836" y="8272030"/>
-            <a:ext cx="1120717" cy="1988722"/>
+            <a:off x="23009519" y="4028453"/>
+            <a:ext cx="1658825" cy="2943599"/>
           </a:xfrm>
           <a:prstGeom prst="rect">
             <a:avLst/>
@@ -3891,6 +3905,54 @@
           </a:fontRef>
         </p:style>
       </p:cxnSp>
+      <p:sp>
+        <p:nvSpPr>
+          <p:cNvPr id="25" name="TextBox 24">
+            <a:extLst>
+              <a:ext uri="{FF2B5EF4-FFF2-40B4-BE49-F238E27FC236}">
+                <a16:creationId xmlns:a16="http://schemas.microsoft.com/office/drawing/2014/main" id="{E2FF5FB5-A3D1-4E10-B872-7C24925D0A45}"/>
+              </a:ext>
+            </a:extLst>
+          </p:cNvPr>
+          <p:cNvSpPr txBox="1"/>
+          <p:nvPr/>
+        </p:nvSpPr>
+        <p:spPr>
+          <a:xfrm>
+            <a:off x="266694" y="24348802"/>
+            <a:ext cx="8865977" cy="6324808"/>
+          </a:xfrm>
+          <a:prstGeom prst="rect">
+            <a:avLst/>
+          </a:prstGeom>
+          <a:noFill/>
+        </p:spPr>
+        <p:txBody>
+          <a:bodyPr wrap="square">
+            <a:spAutoFit/>
+          </a:bodyPr>
+          <a:lstStyle/>
+          <a:p>
+            <a:pPr algn="ctr"/>
+            <a:r>
+              <a:rPr lang="en-US" sz="4500" b="1" dirty="0"/>
+              <a:t>						Models</a:t>
+            </a:r>
+          </a:p>
+          <a:p>
+            <a:r>
+              <a:rPr lang="en-US" sz="4000" b="1" dirty="0"/>
+              <a:t>SIRD:</a:t>
+            </a:r>
+          </a:p>
+          <a:p>
+            <a:r>
+              <a:rPr lang="en-US" sz="4000" dirty="0"/>
+              <a:t>The SIRD model is among the simplest of disease models. The model interactions can be seen to the right and the exact equations for the daily change in each population below this. The transmission rate, recovery rate, and death rate can be solved for using least squares regression and are approximated as constants.</a:t>
+            </a:r>
+          </a:p>
+        </p:txBody>
+      </p:sp>
     </p:spTree>
     <p:extLst>
       <p:ext uri="{BB962C8B-B14F-4D97-AF65-F5344CB8AC3E}">

--- a/Posters/Using Feedback and Vaccination Data to More Accurately Model and Predict the SARS-CoV-2 Pandemic.pptx
+++ b/Posters/Using Feedback and Vaccination Data to More Accurately Model and Predict the SARS-CoV-2 Pandemic.pptx
@@ -3245,15 +3245,7 @@
           <a:p>
             <a:r>
               <a:rPr lang="en-US" sz="4000" dirty="0"/>
-              <a:t>Due to the nature of the data, not </a:t>
-            </a:r>
-            <a:r>
-              <a:rPr lang="en-US" sz="4000"/>
-              <a:t>all infections, </a:t>
-            </a:r>
-            <a:r>
-              <a:rPr lang="en-US" sz="4000" dirty="0"/>
-              <a:t>recoveries, and deaths are recorded. Therefore, a scaling factor to I, R, D must be used to properly model these populations. This value, q, is solved by gridding values and minimizing an objective function</a:t>
+              <a:t>Due to the nature of the data, not all infections, recoveries, and deaths are recorded. Therefore, a scaling factor to I, R, D must be used to properly model these populations. This value, q, is solved by gridding values and minimizing an objective function</a:t>
             </a:r>
           </a:p>
           <a:p>
@@ -3368,7 +3360,7 @@
         <p:spPr>
           <a:xfrm>
             <a:off x="25066160" y="3753950"/>
-            <a:ext cx="18558346" cy="16173658"/>
+            <a:ext cx="18558346" cy="18635871"/>
           </a:xfrm>
           <a:prstGeom prst="rect">
             <a:avLst/>
@@ -3392,6 +3384,18 @@
               <a:rPr lang="en-US" sz="4000" dirty="0"/>
               <a:t>Modeling Transmission Rate in Italy and California: (graph over time, constant, and feedback)</a:t>
             </a:r>
+          </a:p>
+          <a:p>
+            <a:endParaRPr lang="en-US" sz="4000" dirty="0"/>
+          </a:p>
+          <a:p>
+            <a:endParaRPr lang="en-US" sz="4000" dirty="0"/>
+          </a:p>
+          <a:p>
+            <a:endParaRPr lang="en-US" sz="4000" dirty="0"/>
+          </a:p>
+          <a:p>
+            <a:endParaRPr lang="en-US" sz="4000" dirty="0"/>
           </a:p>
           <a:p>
             <a:endParaRPr lang="en-US" sz="4000" dirty="0"/>
@@ -3709,8 +3713,8 @@
         </p:blipFill>
         <p:spPr>
           <a:xfrm>
-            <a:off x="10048836" y="25579908"/>
-            <a:ext cx="1900278" cy="2705938"/>
+            <a:off x="9447605" y="25621391"/>
+            <a:ext cx="2501503" cy="3562064"/>
           </a:xfrm>
           <a:prstGeom prst="rect">
             <a:avLst/>
@@ -3739,8 +3743,8 @@
         </p:blipFill>
         <p:spPr>
           <a:xfrm>
-            <a:off x="20642335" y="17218294"/>
-            <a:ext cx="3792170" cy="691417"/>
+            <a:off x="19007297" y="17109120"/>
+            <a:ext cx="5704706" cy="1040125"/>
           </a:xfrm>
           <a:prstGeom prst="rect">
             <a:avLst/>
@@ -3769,8 +3773,8 @@
         </p:blipFill>
         <p:spPr>
           <a:xfrm>
-            <a:off x="23180159" y="8421410"/>
-            <a:ext cx="1451299" cy="2886824"/>
+            <a:off x="23027767" y="8421405"/>
+            <a:ext cx="1723458" cy="3428183"/>
           </a:xfrm>
           <a:prstGeom prst="rect">
             <a:avLst/>
@@ -3799,8 +3803,8 @@
         </p:blipFill>
         <p:spPr>
           <a:xfrm>
-            <a:off x="4103533" y="23107947"/>
-            <a:ext cx="4609971" cy="1036692"/>
+            <a:off x="3468093" y="22616457"/>
+            <a:ext cx="5880847" cy="1322487"/>
           </a:xfrm>
           <a:prstGeom prst="rect">
             <a:avLst/>
@@ -3829,8 +3833,8 @@
         </p:blipFill>
         <p:spPr>
           <a:xfrm>
-            <a:off x="8971522" y="29494323"/>
-            <a:ext cx="3578819" cy="2705937"/>
+            <a:off x="8534847" y="29727191"/>
+            <a:ext cx="4114164" cy="3110710"/>
           </a:xfrm>
           <a:prstGeom prst="rect">
             <a:avLst/>
@@ -3859,8 +3863,8 @@
         </p:blipFill>
         <p:spPr>
           <a:xfrm>
-            <a:off x="23009519" y="4028453"/>
-            <a:ext cx="1658825" cy="2943599"/>
+            <a:off x="22946033" y="3931777"/>
+            <a:ext cx="1931908" cy="3428187"/>
           </a:xfrm>
           <a:prstGeom prst="rect">
             <a:avLst/>
@@ -3953,6 +3957,111 @@
           </a:p>
         </p:txBody>
       </p:sp>
+      <p:pic>
+        <p:nvPicPr>
+          <p:cNvPr id="26" name="Picture 25" descr="Chart, line chart&#10;&#10;Description automatically generated">
+            <a:extLst>
+              <a:ext uri="{FF2B5EF4-FFF2-40B4-BE49-F238E27FC236}">
+                <a16:creationId xmlns:a16="http://schemas.microsoft.com/office/drawing/2014/main" id="{C8F193D8-1B4F-4612-AF62-26A5D5A7638F}"/>
+              </a:ext>
+            </a:extLst>
+          </p:cNvPr>
+          <p:cNvPicPr>
+            <a:picLocks noChangeAspect="1"/>
+          </p:cNvPicPr>
+          <p:nvPr/>
+        </p:nvPicPr>
+        <p:blipFill rotWithShape="1">
+          <a:blip r:embed="rId8">
+            <a:extLst>
+              <a:ext uri="{28A0092B-C50C-407E-A947-70E740481C1C}">
+                <a14:useLocalDpi xmlns:a14="http://schemas.microsoft.com/office/drawing/2010/main" val="0"/>
+              </a:ext>
+            </a:extLst>
+          </a:blip>
+          <a:srcRect l="3283" t="122" r="9310" b="-122"/>
+          <a:stretch/>
+        </p:blipFill>
+        <p:spPr>
+          <a:xfrm>
+            <a:off x="31529317" y="5815883"/>
+            <a:ext cx="5915060" cy="3352782"/>
+          </a:xfrm>
+          <a:prstGeom prst="rect">
+            <a:avLst/>
+          </a:prstGeom>
+        </p:spPr>
+      </p:pic>
+      <p:pic>
+        <p:nvPicPr>
+          <p:cNvPr id="28" name="Picture 27" descr="Chart, histogram&#10;&#10;Description automatically generated">
+            <a:extLst>
+              <a:ext uri="{FF2B5EF4-FFF2-40B4-BE49-F238E27FC236}">
+                <a16:creationId xmlns:a16="http://schemas.microsoft.com/office/drawing/2014/main" id="{FF5384F8-00F3-44D2-B473-814214BF267E}"/>
+              </a:ext>
+            </a:extLst>
+          </p:cNvPr>
+          <p:cNvPicPr>
+            <a:picLocks noChangeAspect="1"/>
+          </p:cNvPicPr>
+          <p:nvPr/>
+        </p:nvPicPr>
+        <p:blipFill rotWithShape="1">
+          <a:blip r:embed="rId9">
+            <a:extLst>
+              <a:ext uri="{28A0092B-C50C-407E-A947-70E740481C1C}">
+                <a14:useLocalDpi xmlns:a14="http://schemas.microsoft.com/office/drawing/2010/main" val="0"/>
+              </a:ext>
+            </a:extLst>
+          </a:blip>
+          <a:srcRect l="4307" r="8286"/>
+          <a:stretch/>
+        </p:blipFill>
+        <p:spPr>
+          <a:xfrm>
+            <a:off x="37709446" y="5815883"/>
+            <a:ext cx="5915060" cy="3352782"/>
+          </a:xfrm>
+          <a:prstGeom prst="rect">
+            <a:avLst/>
+          </a:prstGeom>
+        </p:spPr>
+      </p:pic>
+      <p:pic>
+        <p:nvPicPr>
+          <p:cNvPr id="30" name="Picture 29" descr="Chart, histogram&#10;&#10;Description automatically generated">
+            <a:extLst>
+              <a:ext uri="{FF2B5EF4-FFF2-40B4-BE49-F238E27FC236}">
+                <a16:creationId xmlns:a16="http://schemas.microsoft.com/office/drawing/2014/main" id="{29A8971C-27A9-418F-9CAE-18B0A7EB2A2C}"/>
+              </a:ext>
+            </a:extLst>
+          </p:cNvPr>
+          <p:cNvPicPr>
+            <a:picLocks noChangeAspect="1"/>
+          </p:cNvPicPr>
+          <p:nvPr/>
+        </p:nvPicPr>
+        <p:blipFill rotWithShape="1">
+          <a:blip r:embed="rId10">
+            <a:extLst>
+              <a:ext uri="{28A0092B-C50C-407E-A947-70E740481C1C}">
+                <a14:useLocalDpi xmlns:a14="http://schemas.microsoft.com/office/drawing/2010/main" val="0"/>
+              </a:ext>
+            </a:extLst>
+          </a:blip>
+          <a:srcRect l="4039" r="8554"/>
+          <a:stretch/>
+        </p:blipFill>
+        <p:spPr>
+          <a:xfrm>
+            <a:off x="25349188" y="5815883"/>
+            <a:ext cx="5915060" cy="3352781"/>
+          </a:xfrm>
+          <a:prstGeom prst="rect">
+            <a:avLst/>
+          </a:prstGeom>
+        </p:spPr>
+      </p:pic>
     </p:spTree>
     <p:extLst>
       <p:ext uri="{BB962C8B-B14F-4D97-AF65-F5344CB8AC3E}">
